--- a/docs/generator.pptx
+++ b/docs/generator.pptx
@@ -5,19 +5,20 @@
     <p:sldMasterId id="2147483660" r:id="rId1"/>
   </p:sldMasterIdLst>
   <p:notesMasterIdLst>
-    <p:notesMasterId r:id="rId12"/>
+    <p:notesMasterId r:id="rId13"/>
   </p:notesMasterIdLst>
   <p:sldIdLst>
-    <p:sldId id="260" r:id="rId2"/>
-    <p:sldId id="257" r:id="rId3"/>
-    <p:sldId id="256" r:id="rId4"/>
-    <p:sldId id="259" r:id="rId5"/>
-    <p:sldId id="264" r:id="rId6"/>
-    <p:sldId id="258" r:id="rId7"/>
-    <p:sldId id="261" r:id="rId8"/>
-    <p:sldId id="262" r:id="rId9"/>
-    <p:sldId id="263" r:id="rId10"/>
-    <p:sldId id="265" r:id="rId11"/>
+    <p:sldId id="266" r:id="rId2"/>
+    <p:sldId id="260" r:id="rId3"/>
+    <p:sldId id="257" r:id="rId4"/>
+    <p:sldId id="256" r:id="rId5"/>
+    <p:sldId id="259" r:id="rId6"/>
+    <p:sldId id="264" r:id="rId7"/>
+    <p:sldId id="258" r:id="rId8"/>
+    <p:sldId id="261" r:id="rId9"/>
+    <p:sldId id="262" r:id="rId10"/>
+    <p:sldId id="263" r:id="rId11"/>
+    <p:sldId id="265" r:id="rId12"/>
   </p:sldIdLst>
   <p:sldSz cx="12192000" cy="6858000"/>
   <p:notesSz cx="6858000" cy="9144000"/>
@@ -122,6 +123,2747 @@
     </p:ext>
   </p:extLst>
 </p:presentation>
+</file>
+
+<file path=ppt/diagrams/colors1.xml><?xml version="1.0" encoding="utf-8"?>
+<dgm:colorsDef xmlns:dgm="http://schemas.openxmlformats.org/drawingml/2006/diagram" xmlns:a="http://schemas.openxmlformats.org/drawingml/2006/main" uniqueId="urn:microsoft.com/office/officeart/2005/8/colors/accent2_5">
+  <dgm:title val=""/>
+  <dgm:desc val=""/>
+  <dgm:catLst>
+    <dgm:cat type="accent2" pri="11500"/>
+  </dgm:catLst>
+  <dgm:styleLbl name="node0">
+    <dgm:fillClrLst meth="cycle">
+      <a:schemeClr val="accent2">
+        <a:alpha val="80000"/>
+      </a:schemeClr>
+    </dgm:fillClrLst>
+    <dgm:linClrLst meth="repeat">
+      <a:schemeClr val="lt1"/>
+    </dgm:linClrLst>
+    <dgm:effectClrLst/>
+    <dgm:txLinClrLst/>
+    <dgm:txFillClrLst/>
+    <dgm:txEffectClrLst/>
+  </dgm:styleLbl>
+  <dgm:styleLbl name="node1">
+    <dgm:fillClrLst>
+      <a:schemeClr val="accent2">
+        <a:alpha val="90000"/>
+      </a:schemeClr>
+      <a:schemeClr val="accent2">
+        <a:alpha val="50000"/>
+      </a:schemeClr>
+    </dgm:fillClrLst>
+    <dgm:linClrLst meth="repeat">
+      <a:schemeClr val="lt1"/>
+    </dgm:linClrLst>
+    <dgm:effectClrLst/>
+    <dgm:txLinClrLst/>
+    <dgm:txFillClrLst/>
+    <dgm:txEffectClrLst/>
+  </dgm:styleLbl>
+  <dgm:styleLbl name="alignNode1">
+    <dgm:fillClrLst>
+      <a:schemeClr val="accent2">
+        <a:alpha val="90000"/>
+      </a:schemeClr>
+      <a:schemeClr val="accent2">
+        <a:alpha val="50000"/>
+      </a:schemeClr>
+    </dgm:fillClrLst>
+    <dgm:linClrLst>
+      <a:schemeClr val="accent2">
+        <a:alpha val="90000"/>
+      </a:schemeClr>
+      <a:schemeClr val="accent2">
+        <a:alpha val="50000"/>
+      </a:schemeClr>
+    </dgm:linClrLst>
+    <dgm:effectClrLst/>
+    <dgm:txLinClrLst/>
+    <dgm:txFillClrLst/>
+    <dgm:txEffectClrLst/>
+  </dgm:styleLbl>
+  <dgm:styleLbl name="lnNode1">
+    <dgm:fillClrLst>
+      <a:schemeClr val="accent2">
+        <a:shade val="90000"/>
+      </a:schemeClr>
+      <a:schemeClr val="accent2">
+        <a:alpha val="50000"/>
+        <a:tint val="50000"/>
+      </a:schemeClr>
+    </dgm:fillClrLst>
+    <dgm:linClrLst meth="repeat">
+      <a:schemeClr val="lt1"/>
+    </dgm:linClrLst>
+    <dgm:effectClrLst/>
+    <dgm:txLinClrLst/>
+    <dgm:txFillClrLst/>
+    <dgm:txEffectClrLst/>
+  </dgm:styleLbl>
+  <dgm:styleLbl name="vennNode1">
+    <dgm:fillClrLst>
+      <a:schemeClr val="accent2">
+        <a:shade val="80000"/>
+        <a:alpha val="50000"/>
+      </a:schemeClr>
+      <a:schemeClr val="accent2">
+        <a:alpha val="20000"/>
+      </a:schemeClr>
+    </dgm:fillClrLst>
+    <dgm:linClrLst meth="repeat">
+      <a:schemeClr val="lt1"/>
+    </dgm:linClrLst>
+    <dgm:effectClrLst/>
+    <dgm:txLinClrLst/>
+    <dgm:txFillClrLst/>
+    <dgm:txEffectClrLst/>
+  </dgm:styleLbl>
+  <dgm:styleLbl name="node2">
+    <dgm:fillClrLst>
+      <a:schemeClr val="accent2">
+        <a:alpha val="70000"/>
+      </a:schemeClr>
+    </dgm:fillClrLst>
+    <dgm:linClrLst meth="repeat">
+      <a:schemeClr val="lt1"/>
+    </dgm:linClrLst>
+    <dgm:effectClrLst/>
+    <dgm:txLinClrLst/>
+    <dgm:txFillClrLst/>
+    <dgm:txEffectClrLst/>
+  </dgm:styleLbl>
+  <dgm:styleLbl name="node3">
+    <dgm:fillClrLst>
+      <a:schemeClr val="accent2">
+        <a:alpha val="50000"/>
+      </a:schemeClr>
+    </dgm:fillClrLst>
+    <dgm:linClrLst meth="repeat">
+      <a:schemeClr val="lt1"/>
+    </dgm:linClrLst>
+    <dgm:effectClrLst/>
+    <dgm:txLinClrLst/>
+    <dgm:txFillClrLst/>
+    <dgm:txEffectClrLst/>
+  </dgm:styleLbl>
+  <dgm:styleLbl name="node4">
+    <dgm:fillClrLst>
+      <a:schemeClr val="accent2">
+        <a:alpha val="30000"/>
+      </a:schemeClr>
+    </dgm:fillClrLst>
+    <dgm:linClrLst meth="repeat">
+      <a:schemeClr val="lt1"/>
+    </dgm:linClrLst>
+    <dgm:effectClrLst/>
+    <dgm:txLinClrLst/>
+    <dgm:txFillClrLst/>
+    <dgm:txEffectClrLst/>
+  </dgm:styleLbl>
+  <dgm:styleLbl name="fgImgPlace1">
+    <dgm:fillClrLst>
+      <a:schemeClr val="accent2">
+        <a:tint val="50000"/>
+        <a:alpha val="90000"/>
+      </a:schemeClr>
+      <a:schemeClr val="accent2">
+        <a:tint val="20000"/>
+        <a:alpha val="50000"/>
+      </a:schemeClr>
+    </dgm:fillClrLst>
+    <dgm:linClrLst meth="repeat">
+      <a:schemeClr val="lt1"/>
+    </dgm:linClrLst>
+    <dgm:effectClrLst/>
+    <dgm:txLinClrLst/>
+    <dgm:txFillClrLst meth="repeat">
+      <a:schemeClr val="lt1"/>
+    </dgm:txFillClrLst>
+    <dgm:txEffectClrLst/>
+  </dgm:styleLbl>
+  <dgm:styleLbl name="alignImgPlace1">
+    <dgm:fillClrLst>
+      <a:schemeClr val="accent2">
+        <a:tint val="50000"/>
+      </a:schemeClr>
+      <a:schemeClr val="accent2">
+        <a:tint val="20000"/>
+      </a:schemeClr>
+    </dgm:fillClrLst>
+    <dgm:linClrLst meth="repeat">
+      <a:schemeClr val="lt1"/>
+    </dgm:linClrLst>
+    <dgm:effectClrLst/>
+    <dgm:txLinClrLst/>
+    <dgm:txFillClrLst meth="repeat">
+      <a:schemeClr val="lt1"/>
+    </dgm:txFillClrLst>
+    <dgm:txEffectClrLst/>
+  </dgm:styleLbl>
+  <dgm:styleLbl name="bgImgPlace1">
+    <dgm:fillClrLst>
+      <a:schemeClr val="accent2">
+        <a:tint val="50000"/>
+      </a:schemeClr>
+      <a:schemeClr val="accent2">
+        <a:tint val="20000"/>
+      </a:schemeClr>
+    </dgm:fillClrLst>
+    <dgm:linClrLst meth="repeat">
+      <a:schemeClr val="lt1"/>
+    </dgm:linClrLst>
+    <dgm:effectClrLst/>
+    <dgm:txLinClrLst/>
+    <dgm:txFillClrLst meth="repeat">
+      <a:schemeClr val="lt1"/>
+    </dgm:txFillClrLst>
+    <dgm:txEffectClrLst/>
+  </dgm:styleLbl>
+  <dgm:styleLbl name="sibTrans2D1">
+    <dgm:fillClrLst>
+      <a:schemeClr val="accent2">
+        <a:shade val="90000"/>
+      </a:schemeClr>
+      <a:schemeClr val="accent2">
+        <a:tint val="50000"/>
+      </a:schemeClr>
+    </dgm:fillClrLst>
+    <dgm:linClrLst>
+      <a:schemeClr val="accent2">
+        <a:shade val="90000"/>
+      </a:schemeClr>
+      <a:schemeClr val="accent2">
+        <a:tint val="50000"/>
+      </a:schemeClr>
+    </dgm:linClrLst>
+    <dgm:effectClrLst/>
+    <dgm:txLinClrLst/>
+    <dgm:txFillClrLst/>
+    <dgm:txEffectClrLst/>
+  </dgm:styleLbl>
+  <dgm:styleLbl name="fgSibTrans2D1">
+    <dgm:fillClrLst>
+      <a:schemeClr val="accent2">
+        <a:shade val="90000"/>
+      </a:schemeClr>
+      <a:schemeClr val="accent2">
+        <a:tint val="50000"/>
+      </a:schemeClr>
+    </dgm:fillClrLst>
+    <dgm:linClrLst>
+      <a:schemeClr val="accent2">
+        <a:shade val="90000"/>
+      </a:schemeClr>
+      <a:schemeClr val="accent2">
+        <a:tint val="50000"/>
+      </a:schemeClr>
+    </dgm:linClrLst>
+    <dgm:effectClrLst/>
+    <dgm:txLinClrLst/>
+    <dgm:txFillClrLst/>
+    <dgm:txEffectClrLst/>
+  </dgm:styleLbl>
+  <dgm:styleLbl name="bgSibTrans2D1">
+    <dgm:fillClrLst>
+      <a:schemeClr val="accent2">
+        <a:shade val="90000"/>
+      </a:schemeClr>
+      <a:schemeClr val="accent2">
+        <a:tint val="50000"/>
+      </a:schemeClr>
+    </dgm:fillClrLst>
+    <dgm:linClrLst>
+      <a:schemeClr val="accent2">
+        <a:shade val="90000"/>
+      </a:schemeClr>
+      <a:schemeClr val="accent2">
+        <a:tint val="50000"/>
+      </a:schemeClr>
+    </dgm:linClrLst>
+    <dgm:effectClrLst/>
+    <dgm:txLinClrLst/>
+    <dgm:txFillClrLst/>
+    <dgm:txEffectClrLst/>
+  </dgm:styleLbl>
+  <dgm:styleLbl name="sibTrans1D1">
+    <dgm:fillClrLst>
+      <a:schemeClr val="accent2">
+        <a:shade val="90000"/>
+      </a:schemeClr>
+      <a:schemeClr val="accent2">
+        <a:tint val="50000"/>
+      </a:schemeClr>
+    </dgm:fillClrLst>
+    <dgm:linClrLst>
+      <a:schemeClr val="accent2">
+        <a:shade val="90000"/>
+      </a:schemeClr>
+      <a:schemeClr val="accent2">
+        <a:tint val="50000"/>
+      </a:schemeClr>
+    </dgm:linClrLst>
+    <dgm:effectClrLst/>
+    <dgm:txLinClrLst/>
+    <dgm:txFillClrLst meth="repeat">
+      <a:schemeClr val="tx1"/>
+    </dgm:txFillClrLst>
+    <dgm:txEffectClrLst/>
+  </dgm:styleLbl>
+  <dgm:styleLbl name="callout">
+    <dgm:fillClrLst meth="repeat">
+      <a:schemeClr val="accent2"/>
+    </dgm:fillClrLst>
+    <dgm:linClrLst meth="repeat">
+      <a:schemeClr val="accent2"/>
+    </dgm:linClrLst>
+    <dgm:effectClrLst/>
+    <dgm:txLinClrLst/>
+    <dgm:txFillClrLst meth="repeat">
+      <a:schemeClr val="tx1"/>
+    </dgm:txFillClrLst>
+    <dgm:txEffectClrLst/>
+  </dgm:styleLbl>
+  <dgm:styleLbl name="asst0">
+    <dgm:fillClrLst meth="repeat">
+      <a:schemeClr val="accent2">
+        <a:alpha val="90000"/>
+      </a:schemeClr>
+    </dgm:fillClrLst>
+    <dgm:linClrLst meth="repeat">
+      <a:schemeClr val="lt1"/>
+    </dgm:linClrLst>
+    <dgm:effectClrLst/>
+    <dgm:txLinClrLst/>
+    <dgm:txFillClrLst/>
+    <dgm:txEffectClrLst/>
+  </dgm:styleLbl>
+  <dgm:styleLbl name="asst1">
+    <dgm:fillClrLst meth="repeat">
+      <a:schemeClr val="accent2">
+        <a:alpha val="90000"/>
+      </a:schemeClr>
+    </dgm:fillClrLst>
+    <dgm:linClrLst meth="repeat">
+      <a:schemeClr val="lt1"/>
+    </dgm:linClrLst>
+    <dgm:effectClrLst/>
+    <dgm:txLinClrLst/>
+    <dgm:txFillClrLst/>
+    <dgm:txEffectClrLst/>
+  </dgm:styleLbl>
+  <dgm:styleLbl name="asst2">
+    <dgm:fillClrLst>
+      <a:schemeClr val="accent2">
+        <a:alpha val="90000"/>
+      </a:schemeClr>
+    </dgm:fillClrLst>
+    <dgm:linClrLst meth="repeat">
+      <a:schemeClr val="lt1"/>
+    </dgm:linClrLst>
+    <dgm:effectClrLst/>
+    <dgm:txLinClrLst/>
+    <dgm:txFillClrLst/>
+    <dgm:txEffectClrLst/>
+  </dgm:styleLbl>
+  <dgm:styleLbl name="asst3">
+    <dgm:fillClrLst>
+      <a:schemeClr val="accent2">
+        <a:alpha val="70000"/>
+      </a:schemeClr>
+    </dgm:fillClrLst>
+    <dgm:linClrLst meth="repeat">
+      <a:schemeClr val="lt1"/>
+    </dgm:linClrLst>
+    <dgm:effectClrLst/>
+    <dgm:txLinClrLst/>
+    <dgm:txFillClrLst/>
+    <dgm:txEffectClrLst/>
+  </dgm:styleLbl>
+  <dgm:styleLbl name="asst4">
+    <dgm:fillClrLst>
+      <a:schemeClr val="accent2">
+        <a:alpha val="50000"/>
+      </a:schemeClr>
+    </dgm:fillClrLst>
+    <dgm:linClrLst meth="repeat">
+      <a:schemeClr val="lt1"/>
+    </dgm:linClrLst>
+    <dgm:effectClrLst/>
+    <dgm:txLinClrLst/>
+    <dgm:txFillClrLst/>
+    <dgm:txEffectClrLst/>
+  </dgm:styleLbl>
+  <dgm:styleLbl name="parChTrans2D1">
+    <dgm:fillClrLst meth="repeat">
+      <a:schemeClr val="accent2">
+        <a:shade val="80000"/>
+      </a:schemeClr>
+    </dgm:fillClrLst>
+    <dgm:linClrLst meth="repeat">
+      <a:schemeClr val="accent2">
+        <a:shade val="80000"/>
+      </a:schemeClr>
+    </dgm:linClrLst>
+    <dgm:effectClrLst/>
+    <dgm:txLinClrLst/>
+    <dgm:txFillClrLst/>
+    <dgm:txEffectClrLst/>
+  </dgm:styleLbl>
+  <dgm:styleLbl name="parChTrans2D2">
+    <dgm:fillClrLst meth="repeat">
+      <a:schemeClr val="accent2">
+        <a:tint val="90000"/>
+      </a:schemeClr>
+    </dgm:fillClrLst>
+    <dgm:linClrLst meth="repeat">
+      <a:schemeClr val="accent2">
+        <a:tint val="90000"/>
+      </a:schemeClr>
+    </dgm:linClrLst>
+    <dgm:effectClrLst/>
+    <dgm:txLinClrLst/>
+    <dgm:txFillClrLst/>
+    <dgm:txEffectClrLst/>
+  </dgm:styleLbl>
+  <dgm:styleLbl name="parChTrans2D3">
+    <dgm:fillClrLst meth="repeat">
+      <a:schemeClr val="accent2">
+        <a:tint val="70000"/>
+      </a:schemeClr>
+    </dgm:fillClrLst>
+    <dgm:linClrLst meth="repeat">
+      <a:schemeClr val="accent2">
+        <a:tint val="70000"/>
+      </a:schemeClr>
+    </dgm:linClrLst>
+    <dgm:effectClrLst/>
+    <dgm:txLinClrLst/>
+    <dgm:txFillClrLst/>
+    <dgm:txEffectClrLst/>
+  </dgm:styleLbl>
+  <dgm:styleLbl name="parChTrans2D4">
+    <dgm:fillClrLst meth="repeat">
+      <a:schemeClr val="accent2">
+        <a:tint val="50000"/>
+      </a:schemeClr>
+    </dgm:fillClrLst>
+    <dgm:linClrLst meth="repeat">
+      <a:schemeClr val="accent2">
+        <a:tint val="50000"/>
+      </a:schemeClr>
+    </dgm:linClrLst>
+    <dgm:effectClrLst/>
+    <dgm:txLinClrLst/>
+    <dgm:txFillClrLst meth="repeat">
+      <a:schemeClr val="dk1"/>
+    </dgm:txFillClrLst>
+    <dgm:txEffectClrLst/>
+  </dgm:styleLbl>
+  <dgm:styleLbl name="parChTrans1D1">
+    <dgm:fillClrLst meth="repeat">
+      <a:schemeClr val="accent2">
+        <a:shade val="80000"/>
+      </a:schemeClr>
+    </dgm:fillClrLst>
+    <dgm:linClrLst meth="repeat">
+      <a:schemeClr val="accent2">
+        <a:shade val="80000"/>
+      </a:schemeClr>
+    </dgm:linClrLst>
+    <dgm:effectClrLst/>
+    <dgm:txLinClrLst/>
+    <dgm:txFillClrLst meth="repeat">
+      <a:schemeClr val="tx1"/>
+    </dgm:txFillClrLst>
+    <dgm:txEffectClrLst/>
+  </dgm:styleLbl>
+  <dgm:styleLbl name="parChTrans1D2">
+    <dgm:fillClrLst meth="repeat">
+      <a:schemeClr val="accent2">
+        <a:tint val="90000"/>
+      </a:schemeClr>
+    </dgm:fillClrLst>
+    <dgm:linClrLst meth="repeat">
+      <a:schemeClr val="accent2">
+        <a:tint val="90000"/>
+      </a:schemeClr>
+    </dgm:linClrLst>
+    <dgm:effectClrLst/>
+    <dgm:txLinClrLst/>
+    <dgm:txFillClrLst meth="repeat">
+      <a:schemeClr val="tx1"/>
+    </dgm:txFillClrLst>
+    <dgm:txEffectClrLst/>
+  </dgm:styleLbl>
+  <dgm:styleLbl name="parChTrans1D3">
+    <dgm:fillClrLst meth="repeat">
+      <a:schemeClr val="accent2">
+        <a:tint val="70000"/>
+      </a:schemeClr>
+    </dgm:fillClrLst>
+    <dgm:linClrLst meth="repeat">
+      <a:schemeClr val="accent2">
+        <a:tint val="70000"/>
+      </a:schemeClr>
+    </dgm:linClrLst>
+    <dgm:effectClrLst/>
+    <dgm:txLinClrLst/>
+    <dgm:txFillClrLst meth="repeat">
+      <a:schemeClr val="tx1"/>
+    </dgm:txFillClrLst>
+    <dgm:txEffectClrLst/>
+  </dgm:styleLbl>
+  <dgm:styleLbl name="parChTrans1D4">
+    <dgm:fillClrLst meth="repeat">
+      <a:schemeClr val="accent2">
+        <a:tint val="50000"/>
+      </a:schemeClr>
+    </dgm:fillClrLst>
+    <dgm:linClrLst meth="repeat">
+      <a:schemeClr val="accent2">
+        <a:tint val="50000"/>
+      </a:schemeClr>
+    </dgm:linClrLst>
+    <dgm:effectClrLst/>
+    <dgm:txLinClrLst/>
+    <dgm:txFillClrLst meth="repeat">
+      <a:schemeClr val="tx1"/>
+    </dgm:txFillClrLst>
+    <dgm:txEffectClrLst/>
+  </dgm:styleLbl>
+  <dgm:styleLbl name="fgAcc1">
+    <dgm:fillClrLst meth="repeat">
+      <a:schemeClr val="lt1">
+        <a:alpha val="90000"/>
+      </a:schemeClr>
+    </dgm:fillClrLst>
+    <dgm:linClrLst>
+      <a:schemeClr val="accent2">
+        <a:alpha val="90000"/>
+      </a:schemeClr>
+      <a:schemeClr val="accent2">
+        <a:alpha val="50000"/>
+      </a:schemeClr>
+    </dgm:linClrLst>
+    <dgm:effectClrLst/>
+    <dgm:txLinClrLst/>
+    <dgm:txFillClrLst meth="repeat">
+      <a:schemeClr val="dk1"/>
+    </dgm:txFillClrLst>
+    <dgm:txEffectClrLst/>
+  </dgm:styleLbl>
+  <dgm:styleLbl name="conFgAcc1">
+    <dgm:fillClrLst meth="repeat">
+      <a:schemeClr val="lt1">
+        <a:alpha val="90000"/>
+      </a:schemeClr>
+    </dgm:fillClrLst>
+    <dgm:linClrLst>
+      <a:schemeClr val="accent2">
+        <a:alpha val="90000"/>
+      </a:schemeClr>
+      <a:schemeClr val="accent2">
+        <a:alpha val="50000"/>
+      </a:schemeClr>
+    </dgm:linClrLst>
+    <dgm:effectClrLst/>
+    <dgm:txLinClrLst/>
+    <dgm:txFillClrLst meth="repeat">
+      <a:schemeClr val="dk1"/>
+    </dgm:txFillClrLst>
+    <dgm:txEffectClrLst/>
+  </dgm:styleLbl>
+  <dgm:styleLbl name="alignAcc1">
+    <dgm:fillClrLst meth="repeat">
+      <a:schemeClr val="lt1">
+        <a:alpha val="90000"/>
+      </a:schemeClr>
+    </dgm:fillClrLst>
+    <dgm:linClrLst>
+      <a:schemeClr val="accent2">
+        <a:alpha val="90000"/>
+      </a:schemeClr>
+      <a:schemeClr val="accent2">
+        <a:alpha val="50000"/>
+      </a:schemeClr>
+    </dgm:linClrLst>
+    <dgm:effectClrLst/>
+    <dgm:txLinClrLst/>
+    <dgm:txFillClrLst meth="repeat">
+      <a:schemeClr val="dk1"/>
+    </dgm:txFillClrLst>
+    <dgm:txEffectClrLst/>
+  </dgm:styleLbl>
+  <dgm:styleLbl name="trAlignAcc1">
+    <dgm:fillClrLst meth="repeat">
+      <a:schemeClr val="lt1">
+        <a:alpha val="40000"/>
+      </a:schemeClr>
+    </dgm:fillClrLst>
+    <dgm:linClrLst>
+      <a:schemeClr val="accent2">
+        <a:alpha val="90000"/>
+      </a:schemeClr>
+      <a:schemeClr val="accent2">
+        <a:alpha val="50000"/>
+      </a:schemeClr>
+    </dgm:linClrLst>
+    <dgm:effectClrLst/>
+    <dgm:txLinClrLst/>
+    <dgm:txFillClrLst meth="repeat">
+      <a:schemeClr val="dk1"/>
+    </dgm:txFillClrLst>
+    <dgm:txEffectClrLst/>
+  </dgm:styleLbl>
+  <dgm:styleLbl name="bgAcc1">
+    <dgm:fillClrLst meth="repeat">
+      <a:schemeClr val="lt1">
+        <a:alpha val="90000"/>
+      </a:schemeClr>
+    </dgm:fillClrLst>
+    <dgm:linClrLst>
+      <a:schemeClr val="accent2">
+        <a:alpha val="90000"/>
+      </a:schemeClr>
+      <a:schemeClr val="accent2">
+        <a:alpha val="50000"/>
+      </a:schemeClr>
+    </dgm:linClrLst>
+    <dgm:effectClrLst/>
+    <dgm:txLinClrLst/>
+    <dgm:txFillClrLst meth="repeat">
+      <a:schemeClr val="dk1"/>
+    </dgm:txFillClrLst>
+    <dgm:txEffectClrLst/>
+  </dgm:styleLbl>
+  <dgm:styleLbl name="solidFgAcc1">
+    <dgm:fillClrLst meth="repeat">
+      <a:schemeClr val="lt1"/>
+    </dgm:fillClrLst>
+    <dgm:linClrLst>
+      <a:schemeClr val="accent2">
+        <a:alpha val="90000"/>
+      </a:schemeClr>
+      <a:schemeClr val="accent2">
+        <a:alpha val="50000"/>
+      </a:schemeClr>
+    </dgm:linClrLst>
+    <dgm:effectClrLst/>
+    <dgm:txLinClrLst/>
+    <dgm:txFillClrLst meth="repeat">
+      <a:schemeClr val="dk1"/>
+    </dgm:txFillClrLst>
+    <dgm:txEffectClrLst/>
+  </dgm:styleLbl>
+  <dgm:styleLbl name="solidAlignAcc1">
+    <dgm:fillClrLst meth="repeat">
+      <a:schemeClr val="lt1"/>
+    </dgm:fillClrLst>
+    <dgm:linClrLst meth="repeat">
+      <a:schemeClr val="accent2"/>
+    </dgm:linClrLst>
+    <dgm:effectClrLst/>
+    <dgm:txLinClrLst/>
+    <dgm:txFillClrLst meth="repeat">
+      <a:schemeClr val="dk1"/>
+    </dgm:txFillClrLst>
+    <dgm:txEffectClrLst/>
+  </dgm:styleLbl>
+  <dgm:styleLbl name="solidBgAcc1">
+    <dgm:fillClrLst meth="repeat">
+      <a:schemeClr val="lt1"/>
+    </dgm:fillClrLst>
+    <dgm:linClrLst meth="repeat">
+      <a:schemeClr val="accent2"/>
+    </dgm:linClrLst>
+    <dgm:effectClrLst/>
+    <dgm:txLinClrLst/>
+    <dgm:txFillClrLst meth="repeat">
+      <a:schemeClr val="dk1"/>
+    </dgm:txFillClrLst>
+    <dgm:txEffectClrLst/>
+  </dgm:styleLbl>
+  <dgm:styleLbl name="fgAccFollowNode1">
+    <dgm:fillClrLst>
+      <a:schemeClr val="accent2">
+        <a:alpha val="90000"/>
+        <a:tint val="40000"/>
+      </a:schemeClr>
+      <a:schemeClr val="accent2">
+        <a:alpha val="50000"/>
+        <a:tint val="40000"/>
+      </a:schemeClr>
+    </dgm:fillClrLst>
+    <dgm:linClrLst meth="repeat">
+      <a:schemeClr val="accent2">
+        <a:alpha val="90000"/>
+        <a:tint val="40000"/>
+      </a:schemeClr>
+    </dgm:linClrLst>
+    <dgm:effectClrLst/>
+    <dgm:txLinClrLst/>
+    <dgm:txFillClrLst meth="repeat">
+      <a:schemeClr val="dk1"/>
+    </dgm:txFillClrLst>
+    <dgm:txEffectClrLst/>
+  </dgm:styleLbl>
+  <dgm:styleLbl name="alignAccFollowNode1">
+    <dgm:fillClrLst meth="repeat">
+      <a:schemeClr val="accent2">
+        <a:alpha val="90000"/>
+        <a:tint val="40000"/>
+      </a:schemeClr>
+    </dgm:fillClrLst>
+    <dgm:linClrLst meth="repeat">
+      <a:schemeClr val="accent2">
+        <a:alpha val="90000"/>
+        <a:tint val="40000"/>
+      </a:schemeClr>
+    </dgm:linClrLst>
+    <dgm:effectClrLst/>
+    <dgm:txLinClrLst/>
+    <dgm:txFillClrLst meth="repeat">
+      <a:schemeClr val="dk1"/>
+    </dgm:txFillClrLst>
+    <dgm:txEffectClrLst/>
+  </dgm:styleLbl>
+  <dgm:styleLbl name="bgAccFollowNode1">
+    <dgm:fillClrLst meth="repeat">
+      <a:schemeClr val="accent2">
+        <a:alpha val="90000"/>
+        <a:tint val="40000"/>
+      </a:schemeClr>
+    </dgm:fillClrLst>
+    <dgm:linClrLst meth="repeat">
+      <a:schemeClr val="lt1"/>
+    </dgm:linClrLst>
+    <dgm:effectClrLst/>
+    <dgm:txLinClrLst/>
+    <dgm:txFillClrLst meth="repeat">
+      <a:schemeClr val="dk1"/>
+    </dgm:txFillClrLst>
+    <dgm:txEffectClrLst/>
+  </dgm:styleLbl>
+  <dgm:styleLbl name="fgAcc0">
+    <dgm:fillClrLst meth="repeat">
+      <a:schemeClr val="lt1">
+        <a:alpha val="90000"/>
+      </a:schemeClr>
+    </dgm:fillClrLst>
+    <dgm:linClrLst meth="repeat">
+      <a:schemeClr val="accent2">
+        <a:shade val="80000"/>
+      </a:schemeClr>
+    </dgm:linClrLst>
+    <dgm:effectClrLst/>
+    <dgm:txLinClrLst/>
+    <dgm:txFillClrLst meth="repeat">
+      <a:schemeClr val="dk1"/>
+    </dgm:txFillClrLst>
+    <dgm:txEffectClrLst/>
+  </dgm:styleLbl>
+  <dgm:styleLbl name="fgAcc2">
+    <dgm:fillClrLst meth="repeat">
+      <a:schemeClr val="lt1">
+        <a:alpha val="90000"/>
+      </a:schemeClr>
+    </dgm:fillClrLst>
+    <dgm:linClrLst meth="repeat">
+      <a:schemeClr val="accent2">
+        <a:tint val="90000"/>
+      </a:schemeClr>
+    </dgm:linClrLst>
+    <dgm:effectClrLst/>
+    <dgm:txLinClrLst/>
+    <dgm:txFillClrLst meth="repeat">
+      <a:schemeClr val="dk1"/>
+    </dgm:txFillClrLst>
+    <dgm:txEffectClrLst/>
+  </dgm:styleLbl>
+  <dgm:styleLbl name="fgAcc3">
+    <dgm:fillClrLst meth="repeat">
+      <a:schemeClr val="lt1">
+        <a:alpha val="90000"/>
+      </a:schemeClr>
+    </dgm:fillClrLst>
+    <dgm:linClrLst meth="repeat">
+      <a:schemeClr val="accent2">
+        <a:tint val="70000"/>
+      </a:schemeClr>
+    </dgm:linClrLst>
+    <dgm:effectClrLst/>
+    <dgm:txLinClrLst/>
+    <dgm:txFillClrLst meth="repeat">
+      <a:schemeClr val="dk1"/>
+    </dgm:txFillClrLst>
+    <dgm:txEffectClrLst/>
+  </dgm:styleLbl>
+  <dgm:styleLbl name="fgAcc4">
+    <dgm:fillClrLst meth="repeat">
+      <a:schemeClr val="lt1">
+        <a:alpha val="90000"/>
+      </a:schemeClr>
+    </dgm:fillClrLst>
+    <dgm:linClrLst meth="repeat">
+      <a:schemeClr val="accent2">
+        <a:tint val="50000"/>
+      </a:schemeClr>
+    </dgm:linClrLst>
+    <dgm:effectClrLst/>
+    <dgm:txLinClrLst/>
+    <dgm:txFillClrLst meth="repeat">
+      <a:schemeClr val="dk1"/>
+    </dgm:txFillClrLst>
+    <dgm:txEffectClrLst/>
+  </dgm:styleLbl>
+  <dgm:styleLbl name="bgShp">
+    <dgm:fillClrLst meth="repeat">
+      <a:schemeClr val="accent2">
+        <a:tint val="40000"/>
+      </a:schemeClr>
+    </dgm:fillClrLst>
+    <dgm:linClrLst meth="repeat">
+      <a:schemeClr val="dk1"/>
+    </dgm:linClrLst>
+    <dgm:effectClrLst/>
+    <dgm:txLinClrLst/>
+    <dgm:txFillClrLst meth="repeat">
+      <a:schemeClr val="dk1"/>
+    </dgm:txFillClrLst>
+    <dgm:txEffectClrLst/>
+  </dgm:styleLbl>
+  <dgm:styleLbl name="dkBgShp">
+    <dgm:fillClrLst meth="repeat">
+      <a:schemeClr val="accent2">
+        <a:shade val="90000"/>
+      </a:schemeClr>
+    </dgm:fillClrLst>
+    <dgm:linClrLst meth="repeat">
+      <a:schemeClr val="dk1"/>
+    </dgm:linClrLst>
+    <dgm:effectClrLst/>
+    <dgm:txLinClrLst/>
+    <dgm:txFillClrLst meth="repeat">
+      <a:schemeClr val="lt1"/>
+    </dgm:txFillClrLst>
+    <dgm:txEffectClrLst/>
+  </dgm:styleLbl>
+  <dgm:styleLbl name="trBgShp">
+    <dgm:fillClrLst meth="repeat">
+      <a:schemeClr val="accent2">
+        <a:tint val="50000"/>
+        <a:alpha val="40000"/>
+      </a:schemeClr>
+    </dgm:fillClrLst>
+    <dgm:linClrLst meth="repeat">
+      <a:schemeClr val="accent2"/>
+    </dgm:linClrLst>
+    <dgm:effectClrLst/>
+    <dgm:txLinClrLst/>
+    <dgm:txFillClrLst meth="repeat">
+      <a:schemeClr val="lt1"/>
+    </dgm:txFillClrLst>
+    <dgm:txEffectClrLst/>
+  </dgm:styleLbl>
+  <dgm:styleLbl name="fgShp">
+    <dgm:fillClrLst meth="repeat">
+      <a:schemeClr val="accent2">
+        <a:tint val="40000"/>
+      </a:schemeClr>
+    </dgm:fillClrLst>
+    <dgm:linClrLst meth="repeat">
+      <a:schemeClr val="lt1"/>
+    </dgm:linClrLst>
+    <dgm:effectClrLst/>
+    <dgm:txLinClrLst/>
+    <dgm:txFillClrLst meth="repeat">
+      <a:schemeClr val="dk1"/>
+    </dgm:txFillClrLst>
+    <dgm:txEffectClrLst/>
+  </dgm:styleLbl>
+  <dgm:styleLbl name="revTx">
+    <dgm:fillClrLst meth="repeat">
+      <a:schemeClr val="lt1">
+        <a:alpha val="0"/>
+      </a:schemeClr>
+    </dgm:fillClrLst>
+    <dgm:linClrLst meth="repeat">
+      <a:schemeClr val="dk1">
+        <a:alpha val="0"/>
+      </a:schemeClr>
+    </dgm:linClrLst>
+    <dgm:effectClrLst/>
+    <dgm:txLinClrLst/>
+    <dgm:txFillClrLst meth="repeat">
+      <a:schemeClr val="tx1"/>
+    </dgm:txFillClrLst>
+    <dgm:txEffectClrLst/>
+  </dgm:styleLbl>
+</dgm:colorsDef>
+</file>
+
+<file path=ppt/diagrams/data1.xml><?xml version="1.0" encoding="utf-8"?>
+<dgm:dataModel xmlns:dgm="http://schemas.openxmlformats.org/drawingml/2006/diagram" xmlns:a="http://schemas.openxmlformats.org/drawingml/2006/main">
+  <dgm:ptLst>
+    <dgm:pt modelId="{4962002A-2BD6-4623-83C8-D758D5B10CF8}" type="doc">
+      <dgm:prSet loTypeId="urn:microsoft.com/office/officeart/2005/8/layout/chevron1" loCatId="process" qsTypeId="urn:microsoft.com/office/officeart/2005/8/quickstyle/simple1" qsCatId="simple" csTypeId="urn:microsoft.com/office/officeart/2005/8/colors/accent2_5" csCatId="accent2" phldr="1"/>
+      <dgm:spPr/>
+    </dgm:pt>
+    <dgm:pt modelId="{38A2E846-4C3A-4D61-A74C-25AB26F8E686}">
+      <dgm:prSet phldrT="[文本]" custT="1"/>
+      <dgm:spPr/>
+      <dgm:t>
+        <a:bodyPr/>
+        <a:lstStyle/>
+        <a:p>
+          <a:pPr algn="l"/>
+          <a:r>
+            <a:rPr lang="zh-CN" altLang="en-US" sz="1600" dirty="0"/>
+            <a:t>输入：</a:t>
+          </a:r>
+          <a:endParaRPr lang="en-US" altLang="zh-CN" sz="1600" dirty="0"/>
+        </a:p>
+        <a:p>
+          <a:pPr algn="ctr"/>
+          <a:r>
+            <a:rPr lang="zh-CN" altLang="en-US" sz="1800" dirty="0"/>
+            <a:t>春天丽日照晴川</a:t>
+          </a:r>
+          <a:endParaRPr lang="en-US" sz="1800" dirty="0"/>
+        </a:p>
+      </dgm:t>
+    </dgm:pt>
+    <dgm:pt modelId="{CE047C11-9CB4-4C48-B333-45E0A35E8157}" type="parTrans" cxnId="{A811BC4C-F2EF-442D-83ED-D7B1E38376AB}">
+      <dgm:prSet/>
+      <dgm:spPr/>
+      <dgm:t>
+        <a:bodyPr/>
+        <a:lstStyle/>
+        <a:p>
+          <a:endParaRPr lang="en-US"/>
+        </a:p>
+      </dgm:t>
+    </dgm:pt>
+    <dgm:pt modelId="{DC0F7936-21DB-4906-8EED-B4A6FEC93D72}" type="sibTrans" cxnId="{A811BC4C-F2EF-442D-83ED-D7B1E38376AB}">
+      <dgm:prSet/>
+      <dgm:spPr/>
+      <dgm:t>
+        <a:bodyPr/>
+        <a:lstStyle/>
+        <a:p>
+          <a:endParaRPr lang="en-US"/>
+        </a:p>
+      </dgm:t>
+    </dgm:pt>
+    <dgm:pt modelId="{122A4E83-7A6F-4868-80BD-85204D5301C6}">
+      <dgm:prSet phldrT="[文本]"/>
+      <dgm:spPr/>
+      <dgm:t>
+        <a:bodyPr/>
+        <a:lstStyle/>
+        <a:p>
+          <a:r>
+            <a:rPr lang="en-US" altLang="zh-CN" dirty="0"/>
+            <a:t>Planner</a:t>
+          </a:r>
+        </a:p>
+      </dgm:t>
+    </dgm:pt>
+    <dgm:pt modelId="{04555BC8-3AEA-4DA7-9E97-0C06B11F4B86}" type="parTrans" cxnId="{FDF23E87-ED79-47B0-8C53-7247CBC2413B}">
+      <dgm:prSet/>
+      <dgm:spPr/>
+      <dgm:t>
+        <a:bodyPr/>
+        <a:lstStyle/>
+        <a:p>
+          <a:endParaRPr lang="en-US"/>
+        </a:p>
+      </dgm:t>
+    </dgm:pt>
+    <dgm:pt modelId="{EC02A687-C60C-47DF-A6FA-2A9B065B6D74}" type="sibTrans" cxnId="{FDF23E87-ED79-47B0-8C53-7247CBC2413B}">
+      <dgm:prSet/>
+      <dgm:spPr/>
+      <dgm:t>
+        <a:bodyPr/>
+        <a:lstStyle/>
+        <a:p>
+          <a:endParaRPr lang="en-US"/>
+        </a:p>
+      </dgm:t>
+    </dgm:pt>
+    <dgm:pt modelId="{1DF68D8F-75BB-4476-9646-D3A07DD8EE01}">
+      <dgm:prSet phldrT="[文本]"/>
+      <dgm:spPr/>
+      <dgm:t>
+        <a:bodyPr/>
+        <a:lstStyle/>
+        <a:p>
+          <a:r>
+            <a:rPr lang="zh-CN" altLang="en-US" dirty="0"/>
+            <a:t>关键字：</a:t>
+          </a:r>
+          <a:endParaRPr lang="en-US" altLang="zh-CN" dirty="0"/>
+        </a:p>
+        <a:p>
+          <a:r>
+            <a:rPr lang="zh-CN" altLang="en-US" dirty="0"/>
+            <a:t>桃花 </a:t>
+          </a:r>
+          <a:endParaRPr lang="en-US" altLang="zh-CN" dirty="0"/>
+        </a:p>
+        <a:p>
+          <a:r>
+            <a:rPr lang="zh-CN" altLang="en-US" dirty="0"/>
+            <a:t>燕子 </a:t>
+          </a:r>
+          <a:endParaRPr lang="en-US" altLang="zh-CN" dirty="0"/>
+        </a:p>
+        <a:p>
+          <a:r>
+            <a:rPr lang="zh-CN" altLang="en-US" dirty="0"/>
+            <a:t>柳树</a:t>
+          </a:r>
+          <a:endParaRPr lang="en-US" dirty="0"/>
+        </a:p>
+      </dgm:t>
+    </dgm:pt>
+    <dgm:pt modelId="{8010D8F6-C566-47FF-93E3-6999E32280D7}" type="parTrans" cxnId="{91208B97-B9B8-4F57-9623-5560E5DEADC1}">
+      <dgm:prSet/>
+      <dgm:spPr/>
+      <dgm:t>
+        <a:bodyPr/>
+        <a:lstStyle/>
+        <a:p>
+          <a:endParaRPr lang="en-US"/>
+        </a:p>
+      </dgm:t>
+    </dgm:pt>
+    <dgm:pt modelId="{5C3B068B-9F17-42C4-88FE-EBB80841D8BD}" type="sibTrans" cxnId="{91208B97-B9B8-4F57-9623-5560E5DEADC1}">
+      <dgm:prSet/>
+      <dgm:spPr/>
+      <dgm:t>
+        <a:bodyPr/>
+        <a:lstStyle/>
+        <a:p>
+          <a:endParaRPr lang="en-US"/>
+        </a:p>
+      </dgm:t>
+    </dgm:pt>
+    <dgm:pt modelId="{E40AABE9-4EF2-4D30-8543-E2E34D48898D}" type="pres">
+      <dgm:prSet presAssocID="{4962002A-2BD6-4623-83C8-D758D5B10CF8}" presName="Name0" presStyleCnt="0">
+        <dgm:presLayoutVars>
+          <dgm:dir/>
+          <dgm:animLvl val="lvl"/>
+          <dgm:resizeHandles val="exact"/>
+        </dgm:presLayoutVars>
+      </dgm:prSet>
+      <dgm:spPr/>
+    </dgm:pt>
+    <dgm:pt modelId="{36376CD2-6471-4876-89A0-D27341A3441D}" type="pres">
+      <dgm:prSet presAssocID="{38A2E846-4C3A-4D61-A74C-25AB26F8E686}" presName="parTxOnly" presStyleLbl="node1" presStyleIdx="0" presStyleCnt="3">
+        <dgm:presLayoutVars>
+          <dgm:chMax val="0"/>
+          <dgm:chPref val="0"/>
+          <dgm:bulletEnabled val="1"/>
+        </dgm:presLayoutVars>
+      </dgm:prSet>
+      <dgm:spPr/>
+    </dgm:pt>
+    <dgm:pt modelId="{01225274-F52A-413F-AA97-CC4AACDBBBAB}" type="pres">
+      <dgm:prSet presAssocID="{DC0F7936-21DB-4906-8EED-B4A6FEC93D72}" presName="parTxOnlySpace" presStyleCnt="0"/>
+      <dgm:spPr/>
+    </dgm:pt>
+    <dgm:pt modelId="{A9C9F3C3-2D28-4DA9-8981-54C9D4FA943F}" type="pres">
+      <dgm:prSet presAssocID="{122A4E83-7A6F-4868-80BD-85204D5301C6}" presName="parTxOnly" presStyleLbl="node1" presStyleIdx="1" presStyleCnt="3">
+        <dgm:presLayoutVars>
+          <dgm:chMax val="0"/>
+          <dgm:chPref val="0"/>
+          <dgm:bulletEnabled val="1"/>
+        </dgm:presLayoutVars>
+      </dgm:prSet>
+      <dgm:spPr/>
+    </dgm:pt>
+    <dgm:pt modelId="{DAFA7A17-8A17-4C79-827B-FD85BC1BB973}" type="pres">
+      <dgm:prSet presAssocID="{EC02A687-C60C-47DF-A6FA-2A9B065B6D74}" presName="parTxOnlySpace" presStyleCnt="0"/>
+      <dgm:spPr/>
+    </dgm:pt>
+    <dgm:pt modelId="{8A4DA79D-65F2-4782-AE8F-CB40FD0986F6}" type="pres">
+      <dgm:prSet presAssocID="{1DF68D8F-75BB-4476-9646-D3A07DD8EE01}" presName="parTxOnly" presStyleLbl="node1" presStyleIdx="2" presStyleCnt="3" custLinFactNeighborX="59309" custLinFactNeighborY="1607">
+        <dgm:presLayoutVars>
+          <dgm:chMax val="0"/>
+          <dgm:chPref val="0"/>
+          <dgm:bulletEnabled val="1"/>
+        </dgm:presLayoutVars>
+      </dgm:prSet>
+      <dgm:spPr/>
+    </dgm:pt>
+  </dgm:ptLst>
+  <dgm:cxnLst>
+    <dgm:cxn modelId="{6E07B632-F6B8-4B4B-A1AD-D8B8F1080098}" type="presOf" srcId="{38A2E846-4C3A-4D61-A74C-25AB26F8E686}" destId="{36376CD2-6471-4876-89A0-D27341A3441D}" srcOrd="0" destOrd="0" presId="urn:microsoft.com/office/officeart/2005/8/layout/chevron1"/>
+    <dgm:cxn modelId="{A811BC4C-F2EF-442D-83ED-D7B1E38376AB}" srcId="{4962002A-2BD6-4623-83C8-D758D5B10CF8}" destId="{38A2E846-4C3A-4D61-A74C-25AB26F8E686}" srcOrd="0" destOrd="0" parTransId="{CE047C11-9CB4-4C48-B333-45E0A35E8157}" sibTransId="{DC0F7936-21DB-4906-8EED-B4A6FEC93D72}"/>
+    <dgm:cxn modelId="{FDF23E87-ED79-47B0-8C53-7247CBC2413B}" srcId="{4962002A-2BD6-4623-83C8-D758D5B10CF8}" destId="{122A4E83-7A6F-4868-80BD-85204D5301C6}" srcOrd="1" destOrd="0" parTransId="{04555BC8-3AEA-4DA7-9E97-0C06B11F4B86}" sibTransId="{EC02A687-C60C-47DF-A6FA-2A9B065B6D74}"/>
+    <dgm:cxn modelId="{FB4F1D8E-F79F-4FD4-B826-5DEA3CF95DA8}" type="presOf" srcId="{1DF68D8F-75BB-4476-9646-D3A07DD8EE01}" destId="{8A4DA79D-65F2-4782-AE8F-CB40FD0986F6}" srcOrd="0" destOrd="0" presId="urn:microsoft.com/office/officeart/2005/8/layout/chevron1"/>
+    <dgm:cxn modelId="{91208B97-B9B8-4F57-9623-5560E5DEADC1}" srcId="{4962002A-2BD6-4623-83C8-D758D5B10CF8}" destId="{1DF68D8F-75BB-4476-9646-D3A07DD8EE01}" srcOrd="2" destOrd="0" parTransId="{8010D8F6-C566-47FF-93E3-6999E32280D7}" sibTransId="{5C3B068B-9F17-42C4-88FE-EBB80841D8BD}"/>
+    <dgm:cxn modelId="{A918F8B6-086B-4C7A-8918-525064FB24E2}" type="presOf" srcId="{122A4E83-7A6F-4868-80BD-85204D5301C6}" destId="{A9C9F3C3-2D28-4DA9-8981-54C9D4FA943F}" srcOrd="0" destOrd="0" presId="urn:microsoft.com/office/officeart/2005/8/layout/chevron1"/>
+    <dgm:cxn modelId="{E9C43AE3-87C4-4497-B523-D95AF80D3625}" type="presOf" srcId="{4962002A-2BD6-4623-83C8-D758D5B10CF8}" destId="{E40AABE9-4EF2-4D30-8543-E2E34D48898D}" srcOrd="0" destOrd="0" presId="urn:microsoft.com/office/officeart/2005/8/layout/chevron1"/>
+    <dgm:cxn modelId="{9C4D5093-F685-4E30-A694-960F61B2067C}" type="presParOf" srcId="{E40AABE9-4EF2-4D30-8543-E2E34D48898D}" destId="{36376CD2-6471-4876-89A0-D27341A3441D}" srcOrd="0" destOrd="0" presId="urn:microsoft.com/office/officeart/2005/8/layout/chevron1"/>
+    <dgm:cxn modelId="{22AFC5A7-606B-43E8-8E64-553DDF9D0BCE}" type="presParOf" srcId="{E40AABE9-4EF2-4D30-8543-E2E34D48898D}" destId="{01225274-F52A-413F-AA97-CC4AACDBBBAB}" srcOrd="1" destOrd="0" presId="urn:microsoft.com/office/officeart/2005/8/layout/chevron1"/>
+    <dgm:cxn modelId="{876B0A3B-82FA-4FA8-8016-A32B34650E9F}" type="presParOf" srcId="{E40AABE9-4EF2-4D30-8543-E2E34D48898D}" destId="{A9C9F3C3-2D28-4DA9-8981-54C9D4FA943F}" srcOrd="2" destOrd="0" presId="urn:microsoft.com/office/officeart/2005/8/layout/chevron1"/>
+    <dgm:cxn modelId="{D7A9064F-9784-4FA5-946F-D09238E9D0B9}" type="presParOf" srcId="{E40AABE9-4EF2-4D30-8543-E2E34D48898D}" destId="{DAFA7A17-8A17-4C79-827B-FD85BC1BB973}" srcOrd="3" destOrd="0" presId="urn:microsoft.com/office/officeart/2005/8/layout/chevron1"/>
+    <dgm:cxn modelId="{9FE33D1C-AFB0-424C-B6A0-765B08CFA1DA}" type="presParOf" srcId="{E40AABE9-4EF2-4D30-8543-E2E34D48898D}" destId="{8A4DA79D-65F2-4782-AE8F-CB40FD0986F6}" srcOrd="4" destOrd="0" presId="urn:microsoft.com/office/officeart/2005/8/layout/chevron1"/>
+  </dgm:cxnLst>
+  <dgm:bg/>
+  <dgm:whole/>
+  <dgm:extLst>
+    <a:ext uri="http://schemas.microsoft.com/office/drawing/2008/diagram">
+      <dsp:dataModelExt xmlns:dsp="http://schemas.microsoft.com/office/drawing/2008/diagram" relId="rId7" minVer="http://schemas.openxmlformats.org/drawingml/2006/diagram"/>
+    </a:ext>
+  </dgm:extLst>
+</dgm:dataModel>
+</file>
+
+<file path=ppt/diagrams/drawing1.xml><?xml version="1.0" encoding="utf-8"?>
+<dsp:drawing xmlns:dgm="http://schemas.openxmlformats.org/drawingml/2006/diagram" xmlns:dsp="http://schemas.microsoft.com/office/drawing/2008/diagram" xmlns:a="http://schemas.openxmlformats.org/drawingml/2006/main">
+  <dsp:spTree>
+    <dsp:nvGrpSpPr>
+      <dsp:cNvPr id="0" name=""/>
+      <dsp:cNvGrpSpPr/>
+    </dsp:nvGrpSpPr>
+    <dsp:grpSpPr/>
+    <dsp:sp modelId="{36376CD2-6471-4876-89A0-D27341A3441D}">
+      <dsp:nvSpPr>
+        <dsp:cNvPr id="0" name=""/>
+        <dsp:cNvSpPr/>
+      </dsp:nvSpPr>
+      <dsp:spPr>
+        <a:xfrm>
+          <a:off x="2381" y="225672"/>
+          <a:ext cx="2901156" cy="1160462"/>
+        </a:xfrm>
+        <a:prstGeom prst="chevron">
+          <a:avLst/>
+        </a:prstGeom>
+        <a:solidFill>
+          <a:schemeClr val="accent2">
+            <a:alpha val="90000"/>
+            <a:hueOff val="0"/>
+            <a:satOff val="0"/>
+            <a:lumOff val="0"/>
+            <a:alphaOff val="0"/>
+          </a:schemeClr>
+        </a:solidFill>
+        <a:ln w="25400" cap="flat" cmpd="sng" algn="ctr">
+          <a:solidFill>
+            <a:schemeClr val="lt1">
+              <a:hueOff val="0"/>
+              <a:satOff val="0"/>
+              <a:lumOff val="0"/>
+              <a:alphaOff val="0"/>
+            </a:schemeClr>
+          </a:solidFill>
+          <a:prstDash val="solid"/>
+        </a:ln>
+        <a:effectLst/>
+      </dsp:spPr>
+      <dsp:style>
+        <a:lnRef idx="2">
+          <a:scrgbClr r="0" g="0" b="0"/>
+        </a:lnRef>
+        <a:fillRef idx="1">
+          <a:scrgbClr r="0" g="0" b="0"/>
+        </a:fillRef>
+        <a:effectRef idx="0">
+          <a:scrgbClr r="0" g="0" b="0"/>
+        </a:effectRef>
+        <a:fontRef idx="minor">
+          <a:schemeClr val="lt1"/>
+        </a:fontRef>
+      </dsp:style>
+      <dsp:txBody>
+        <a:bodyPr spcFirstLastPara="0" vert="horz" wrap="square" lIns="64008" tIns="21336" rIns="21336" bIns="21336" numCol="1" spcCol="1270" anchor="ctr" anchorCtr="0">
+          <a:noAutofit/>
+        </a:bodyPr>
+        <a:lstStyle/>
+        <a:p>
+          <a:pPr marL="0" lvl="0" indent="0" algn="l" defTabSz="711200">
+            <a:lnSpc>
+              <a:spcPct val="90000"/>
+            </a:lnSpc>
+            <a:spcBef>
+              <a:spcPct val="0"/>
+            </a:spcBef>
+            <a:spcAft>
+              <a:spcPct val="35000"/>
+            </a:spcAft>
+            <a:buNone/>
+          </a:pPr>
+          <a:r>
+            <a:rPr lang="zh-CN" altLang="en-US" sz="1600" kern="1200" dirty="0"/>
+            <a:t>输入：</a:t>
+          </a:r>
+          <a:endParaRPr lang="en-US" altLang="zh-CN" sz="1600" kern="1200" dirty="0"/>
+        </a:p>
+        <a:p>
+          <a:pPr marL="0" lvl="0" indent="0" algn="ctr" defTabSz="711200">
+            <a:lnSpc>
+              <a:spcPct val="90000"/>
+            </a:lnSpc>
+            <a:spcBef>
+              <a:spcPct val="0"/>
+            </a:spcBef>
+            <a:spcAft>
+              <a:spcPct val="35000"/>
+            </a:spcAft>
+            <a:buNone/>
+          </a:pPr>
+          <a:r>
+            <a:rPr lang="zh-CN" altLang="en-US" sz="1800" kern="1200" dirty="0"/>
+            <a:t>春天丽日照晴川</a:t>
+          </a:r>
+          <a:endParaRPr lang="en-US" sz="1800" kern="1200" dirty="0"/>
+        </a:p>
+      </dsp:txBody>
+      <dsp:txXfrm>
+        <a:off x="582612" y="225672"/>
+        <a:ext cx="1740694" cy="1160462"/>
+      </dsp:txXfrm>
+    </dsp:sp>
+    <dsp:sp modelId="{A9C9F3C3-2D28-4DA9-8981-54C9D4FA943F}">
+      <dsp:nvSpPr>
+        <dsp:cNvPr id="0" name=""/>
+        <dsp:cNvSpPr/>
+      </dsp:nvSpPr>
+      <dsp:spPr>
+        <a:xfrm>
+          <a:off x="2613421" y="225672"/>
+          <a:ext cx="2901156" cy="1160462"/>
+        </a:xfrm>
+        <a:prstGeom prst="chevron">
+          <a:avLst/>
+        </a:prstGeom>
+        <a:solidFill>
+          <a:schemeClr val="accent2">
+            <a:alpha val="90000"/>
+            <a:hueOff val="0"/>
+            <a:satOff val="0"/>
+            <a:lumOff val="0"/>
+            <a:alphaOff val="-20000"/>
+          </a:schemeClr>
+        </a:solidFill>
+        <a:ln w="25400" cap="flat" cmpd="sng" algn="ctr">
+          <a:solidFill>
+            <a:schemeClr val="lt1">
+              <a:hueOff val="0"/>
+              <a:satOff val="0"/>
+              <a:lumOff val="0"/>
+              <a:alphaOff val="0"/>
+            </a:schemeClr>
+          </a:solidFill>
+          <a:prstDash val="solid"/>
+        </a:ln>
+        <a:effectLst/>
+      </dsp:spPr>
+      <dsp:style>
+        <a:lnRef idx="2">
+          <a:scrgbClr r="0" g="0" b="0"/>
+        </a:lnRef>
+        <a:fillRef idx="1">
+          <a:scrgbClr r="0" g="0" b="0"/>
+        </a:fillRef>
+        <a:effectRef idx="0">
+          <a:scrgbClr r="0" g="0" b="0"/>
+        </a:effectRef>
+        <a:fontRef idx="minor">
+          <a:schemeClr val="lt1"/>
+        </a:fontRef>
+      </dsp:style>
+      <dsp:txBody>
+        <a:bodyPr spcFirstLastPara="0" vert="horz" wrap="square" lIns="56007" tIns="18669" rIns="18669" bIns="18669" numCol="1" spcCol="1270" anchor="ctr" anchorCtr="0">
+          <a:noAutofit/>
+        </a:bodyPr>
+        <a:lstStyle/>
+        <a:p>
+          <a:pPr marL="0" lvl="0" indent="0" algn="ctr" defTabSz="622300">
+            <a:lnSpc>
+              <a:spcPct val="90000"/>
+            </a:lnSpc>
+            <a:spcBef>
+              <a:spcPct val="0"/>
+            </a:spcBef>
+            <a:spcAft>
+              <a:spcPct val="35000"/>
+            </a:spcAft>
+            <a:buNone/>
+          </a:pPr>
+          <a:r>
+            <a:rPr lang="en-US" altLang="zh-CN" sz="1400" kern="1200" dirty="0"/>
+            <a:t>Planner</a:t>
+          </a:r>
+        </a:p>
+      </dsp:txBody>
+      <dsp:txXfrm>
+        <a:off x="3193652" y="225672"/>
+        <a:ext cx="1740694" cy="1160462"/>
+      </dsp:txXfrm>
+    </dsp:sp>
+    <dsp:sp modelId="{8A4DA79D-65F2-4782-AE8F-CB40FD0986F6}">
+      <dsp:nvSpPr>
+        <dsp:cNvPr id="0" name=""/>
+        <dsp:cNvSpPr/>
+      </dsp:nvSpPr>
+      <dsp:spPr>
+        <a:xfrm>
+          <a:off x="5226843" y="244320"/>
+          <a:ext cx="2901156" cy="1160462"/>
+        </a:xfrm>
+        <a:prstGeom prst="chevron">
+          <a:avLst/>
+        </a:prstGeom>
+        <a:solidFill>
+          <a:schemeClr val="accent2">
+            <a:alpha val="90000"/>
+            <a:hueOff val="0"/>
+            <a:satOff val="0"/>
+            <a:lumOff val="0"/>
+            <a:alphaOff val="-40000"/>
+          </a:schemeClr>
+        </a:solidFill>
+        <a:ln w="25400" cap="flat" cmpd="sng" algn="ctr">
+          <a:solidFill>
+            <a:schemeClr val="lt1">
+              <a:hueOff val="0"/>
+              <a:satOff val="0"/>
+              <a:lumOff val="0"/>
+              <a:alphaOff val="0"/>
+            </a:schemeClr>
+          </a:solidFill>
+          <a:prstDash val="solid"/>
+        </a:ln>
+        <a:effectLst/>
+      </dsp:spPr>
+      <dsp:style>
+        <a:lnRef idx="2">
+          <a:scrgbClr r="0" g="0" b="0"/>
+        </a:lnRef>
+        <a:fillRef idx="1">
+          <a:scrgbClr r="0" g="0" b="0"/>
+        </a:fillRef>
+        <a:effectRef idx="0">
+          <a:scrgbClr r="0" g="0" b="0"/>
+        </a:effectRef>
+        <a:fontRef idx="minor">
+          <a:schemeClr val="lt1"/>
+        </a:fontRef>
+      </dsp:style>
+      <dsp:txBody>
+        <a:bodyPr spcFirstLastPara="0" vert="horz" wrap="square" lIns="56007" tIns="18669" rIns="18669" bIns="18669" numCol="1" spcCol="1270" anchor="ctr" anchorCtr="0">
+          <a:noAutofit/>
+        </a:bodyPr>
+        <a:lstStyle/>
+        <a:p>
+          <a:pPr marL="0" lvl="0" indent="0" algn="ctr" defTabSz="622300">
+            <a:lnSpc>
+              <a:spcPct val="90000"/>
+            </a:lnSpc>
+            <a:spcBef>
+              <a:spcPct val="0"/>
+            </a:spcBef>
+            <a:spcAft>
+              <a:spcPct val="35000"/>
+            </a:spcAft>
+            <a:buNone/>
+          </a:pPr>
+          <a:r>
+            <a:rPr lang="zh-CN" altLang="en-US" sz="1400" kern="1200" dirty="0"/>
+            <a:t>关键字：</a:t>
+          </a:r>
+          <a:endParaRPr lang="en-US" altLang="zh-CN" sz="1400" kern="1200" dirty="0"/>
+        </a:p>
+        <a:p>
+          <a:pPr marL="0" lvl="0" indent="0" algn="ctr" defTabSz="622300">
+            <a:lnSpc>
+              <a:spcPct val="90000"/>
+            </a:lnSpc>
+            <a:spcBef>
+              <a:spcPct val="0"/>
+            </a:spcBef>
+            <a:spcAft>
+              <a:spcPct val="35000"/>
+            </a:spcAft>
+            <a:buNone/>
+          </a:pPr>
+          <a:r>
+            <a:rPr lang="zh-CN" altLang="en-US" sz="1400" kern="1200" dirty="0"/>
+            <a:t>桃花 </a:t>
+          </a:r>
+          <a:endParaRPr lang="en-US" altLang="zh-CN" sz="1400" kern="1200" dirty="0"/>
+        </a:p>
+        <a:p>
+          <a:pPr marL="0" lvl="0" indent="0" algn="ctr" defTabSz="622300">
+            <a:lnSpc>
+              <a:spcPct val="90000"/>
+            </a:lnSpc>
+            <a:spcBef>
+              <a:spcPct val="0"/>
+            </a:spcBef>
+            <a:spcAft>
+              <a:spcPct val="35000"/>
+            </a:spcAft>
+            <a:buNone/>
+          </a:pPr>
+          <a:r>
+            <a:rPr lang="zh-CN" altLang="en-US" sz="1400" kern="1200" dirty="0"/>
+            <a:t>燕子 </a:t>
+          </a:r>
+          <a:endParaRPr lang="en-US" altLang="zh-CN" sz="1400" kern="1200" dirty="0"/>
+        </a:p>
+        <a:p>
+          <a:pPr marL="0" lvl="0" indent="0" algn="ctr" defTabSz="622300">
+            <a:lnSpc>
+              <a:spcPct val="90000"/>
+            </a:lnSpc>
+            <a:spcBef>
+              <a:spcPct val="0"/>
+            </a:spcBef>
+            <a:spcAft>
+              <a:spcPct val="35000"/>
+            </a:spcAft>
+            <a:buNone/>
+          </a:pPr>
+          <a:r>
+            <a:rPr lang="zh-CN" altLang="en-US" sz="1400" kern="1200" dirty="0"/>
+            <a:t>柳树</a:t>
+          </a:r>
+          <a:endParaRPr lang="en-US" sz="1400" kern="1200" dirty="0"/>
+        </a:p>
+      </dsp:txBody>
+      <dsp:txXfrm>
+        <a:off x="5807074" y="244320"/>
+        <a:ext cx="1740694" cy="1160462"/>
+      </dsp:txXfrm>
+    </dsp:sp>
+  </dsp:spTree>
+</dsp:drawing>
+</file>
+
+<file path=ppt/diagrams/layout1.xml><?xml version="1.0" encoding="utf-8"?>
+<dgm:layoutDef xmlns:dgm="http://schemas.openxmlformats.org/drawingml/2006/diagram" xmlns:a="http://schemas.openxmlformats.org/drawingml/2006/main" uniqueId="urn:microsoft.com/office/officeart/2005/8/layout/chevron1">
+  <dgm:title val=""/>
+  <dgm:desc val=""/>
+  <dgm:catLst>
+    <dgm:cat type="process" pri="9000"/>
+  </dgm:catLst>
+  <dgm:sampData useDef="1">
+    <dgm:dataModel>
+      <dgm:ptLst/>
+      <dgm:bg/>
+      <dgm:whole/>
+    </dgm:dataModel>
+  </dgm:sampData>
+  <dgm:styleData>
+    <dgm:dataModel>
+      <dgm:ptLst>
+        <dgm:pt modelId="0" type="doc"/>
+        <dgm:pt modelId="1"/>
+        <dgm:pt modelId="2"/>
+      </dgm:ptLst>
+      <dgm:cxnLst>
+        <dgm:cxn modelId="3" srcId="0" destId="1" srcOrd="0" destOrd="0"/>
+        <dgm:cxn modelId="4" srcId="0" destId="2" srcOrd="1" destOrd="0"/>
+      </dgm:cxnLst>
+      <dgm:bg/>
+      <dgm:whole/>
+    </dgm:dataModel>
+  </dgm:styleData>
+  <dgm:clrData>
+    <dgm:dataModel>
+      <dgm:ptLst>
+        <dgm:pt modelId="0" type="doc"/>
+        <dgm:pt modelId="1"/>
+        <dgm:pt modelId="2"/>
+        <dgm:pt modelId="3"/>
+        <dgm:pt modelId="4"/>
+      </dgm:ptLst>
+      <dgm:cxnLst>
+        <dgm:cxn modelId="5" srcId="0" destId="1" srcOrd="0" destOrd="0"/>
+        <dgm:cxn modelId="6" srcId="0" destId="2" srcOrd="1" destOrd="0"/>
+        <dgm:cxn modelId="7" srcId="0" destId="3" srcOrd="2" destOrd="0"/>
+        <dgm:cxn modelId="8" srcId="0" destId="4" srcOrd="3" destOrd="0"/>
+      </dgm:cxnLst>
+      <dgm:bg/>
+      <dgm:whole/>
+    </dgm:dataModel>
+  </dgm:clrData>
+  <dgm:layoutNode name="Name0">
+    <dgm:varLst>
+      <dgm:dir/>
+      <dgm:animLvl val="lvl"/>
+      <dgm:resizeHandles val="exact"/>
+    </dgm:varLst>
+    <dgm:choose name="Name1">
+      <dgm:if name="Name2" func="var" arg="dir" op="equ" val="norm">
+        <dgm:alg type="lin"/>
+      </dgm:if>
+      <dgm:else name="Name3">
+        <dgm:alg type="lin">
+          <dgm:param type="linDir" val="fromR"/>
+        </dgm:alg>
+      </dgm:else>
+    </dgm:choose>
+    <dgm:shape xmlns:r="http://schemas.openxmlformats.org/officeDocument/2006/relationships" r:blip="">
+      <dgm:adjLst/>
+    </dgm:shape>
+    <dgm:presOf/>
+    <dgm:choose name="Name4">
+      <dgm:if name="Name5" axis="des" func="maxDepth" op="gte" val="2">
+        <dgm:constrLst>
+          <dgm:constr type="h" for="ch" forName="composite" refType="h"/>
+          <dgm:constr type="w" for="ch" forName="composite" refType="w"/>
+          <dgm:constr type="w" for="des" forName="parTx"/>
+          <dgm:constr type="h" for="des" forName="parTx" op="equ"/>
+          <dgm:constr type="w" for="des" forName="desTx"/>
+          <dgm:constr type="h" for="des" forName="desTx" op="equ"/>
+          <dgm:constr type="primFontSz" for="des" forName="parTx" val="65"/>
+          <dgm:constr type="secFontSz" for="des" forName="desTx" refType="primFontSz" refFor="des" refForName="parTx" op="equ"/>
+          <dgm:constr type="h" for="des" forName="parTx" refType="primFontSz" refFor="des" refForName="parTx" fact="1.5"/>
+          <dgm:constr type="h" for="des" forName="desTx" refType="primFontSz" refFor="des" refForName="parTx" fact="0.5"/>
+          <dgm:constr type="w" for="ch" forName="space" op="equ" val="-6"/>
+        </dgm:constrLst>
+        <dgm:ruleLst>
+          <dgm:rule type="w" for="ch" forName="composite" val="0" fact="NaN" max="NaN"/>
+          <dgm:rule type="primFontSz" for="des" forName="parTx" val="5" fact="NaN" max="NaN"/>
+        </dgm:ruleLst>
+        <dgm:forEach name="Name6" axis="ch" ptType="node">
+          <dgm:layoutNode name="composite">
+            <dgm:alg type="composite"/>
+            <dgm:shape xmlns:r="http://schemas.openxmlformats.org/officeDocument/2006/relationships" r:blip="">
+              <dgm:adjLst/>
+            </dgm:shape>
+            <dgm:presOf/>
+            <dgm:choose name="Name7">
+              <dgm:if name="Name8" func="var" arg="dir" op="equ" val="norm">
+                <dgm:constrLst>
+                  <dgm:constr type="l" for="ch" forName="parTx"/>
+                  <dgm:constr type="w" for="ch" forName="parTx" refType="w"/>
+                  <dgm:constr type="t" for="ch" forName="parTx"/>
+                  <dgm:constr type="l" for="ch" forName="desTx"/>
+                  <dgm:constr type="w" for="ch" forName="desTx" refType="w" refFor="ch" refForName="parTx" fact="0.8"/>
+                  <dgm:constr type="t" for="ch" forName="desTx" refType="h" refFor="ch" refForName="parTx" fact="1.125"/>
+                </dgm:constrLst>
+              </dgm:if>
+              <dgm:else name="Name9">
+                <dgm:constrLst>
+                  <dgm:constr type="l" for="ch" forName="parTx"/>
+                  <dgm:constr type="w" for="ch" forName="parTx" refType="w"/>
+                  <dgm:constr type="t" for="ch" forName="parTx"/>
+                  <dgm:constr type="l" for="ch" forName="desTx" refType="w" fact="0.2"/>
+                  <dgm:constr type="w" for="ch" forName="desTx" refType="w" refFor="ch" refForName="parTx" fact="0.8"/>
+                  <dgm:constr type="t" for="ch" forName="desTx" refType="h" refFor="ch" refForName="parTx" fact="1.125"/>
+                </dgm:constrLst>
+              </dgm:else>
+            </dgm:choose>
+            <dgm:ruleLst>
+              <dgm:rule type="h" val="INF" fact="NaN" max="NaN"/>
+            </dgm:ruleLst>
+            <dgm:layoutNode name="parTx">
+              <dgm:varLst>
+                <dgm:chMax val="0"/>
+                <dgm:chPref val="0"/>
+                <dgm:bulletEnabled val="1"/>
+              </dgm:varLst>
+              <dgm:alg type="tx"/>
+              <dgm:choose name="Name10">
+                <dgm:if name="Name11" func="var" arg="dir" op="equ" val="norm">
+                  <dgm:shape xmlns:r="http://schemas.openxmlformats.org/officeDocument/2006/relationships" type="chevron" r:blip="">
+                    <dgm:adjLst/>
+                  </dgm:shape>
+                </dgm:if>
+                <dgm:else name="Name12">
+                  <dgm:shape xmlns:r="http://schemas.openxmlformats.org/officeDocument/2006/relationships" rot="180" type="chevron" r:blip="">
+                    <dgm:adjLst/>
+                  </dgm:shape>
+                </dgm:else>
+              </dgm:choose>
+              <dgm:presOf axis="self" ptType="node"/>
+              <dgm:choose name="Name13">
+                <dgm:if name="Name14" func="var" arg="dir" op="equ" val="norm">
+                  <dgm:constrLst>
+                    <dgm:constr type="h" refType="w" op="lte" fact="0.4"/>
+                    <dgm:constr type="h"/>
+                    <dgm:constr type="tMarg" refType="primFontSz" fact="0.105"/>
+                    <dgm:constr type="bMarg" refType="primFontSz" fact="0.105"/>
+                    <dgm:constr type="lMarg" refType="primFontSz" fact="0.315"/>
+                    <dgm:constr type="rMarg" refType="primFontSz" fact="0.105"/>
+                  </dgm:constrLst>
+                </dgm:if>
+                <dgm:else name="Name15">
+                  <dgm:constrLst>
+                    <dgm:constr type="h" refType="w" op="lte" fact="0.4"/>
+                    <dgm:constr type="h"/>
+                    <dgm:constr type="tMarg" refType="primFontSz" fact="0.105"/>
+                    <dgm:constr type="bMarg" refType="primFontSz" fact="0.105"/>
+                    <dgm:constr type="lMarg" refType="primFontSz" fact="0.105"/>
+                    <dgm:constr type="rMarg" refType="primFontSz" fact="0.315"/>
+                  </dgm:constrLst>
+                </dgm:else>
+              </dgm:choose>
+              <dgm:ruleLst>
+                <dgm:rule type="h" val="INF" fact="NaN" max="NaN"/>
+              </dgm:ruleLst>
+            </dgm:layoutNode>
+            <dgm:layoutNode name="desTx" styleLbl="revTx">
+              <dgm:varLst>
+                <dgm:bulletEnabled val="1"/>
+              </dgm:varLst>
+              <dgm:alg type="tx">
+                <dgm:param type="stBulletLvl" val="1"/>
+              </dgm:alg>
+              <dgm:choose name="Name16">
+                <dgm:if name="Name17" axis="ch" ptType="node" func="cnt" op="gte" val="1">
+                  <dgm:shape xmlns:r="http://schemas.openxmlformats.org/officeDocument/2006/relationships" type="rect" r:blip="">
+                    <dgm:adjLst/>
+                  </dgm:shape>
+                </dgm:if>
+                <dgm:else name="Name18">
+                  <dgm:shape xmlns:r="http://schemas.openxmlformats.org/officeDocument/2006/relationships" type="rect" r:blip="" hideGeom="1">
+                    <dgm:adjLst/>
+                  </dgm:shape>
+                </dgm:else>
+              </dgm:choose>
+              <dgm:presOf axis="des" ptType="node"/>
+              <dgm:constrLst>
+                <dgm:constr type="secFontSz" val="65"/>
+                <dgm:constr type="primFontSz" refType="secFontSz"/>
+                <dgm:constr type="h"/>
+                <dgm:constr type="tMarg"/>
+                <dgm:constr type="bMarg"/>
+                <dgm:constr type="rMarg"/>
+                <dgm:constr type="lMarg"/>
+              </dgm:constrLst>
+              <dgm:ruleLst>
+                <dgm:rule type="h" val="INF" fact="NaN" max="NaN"/>
+              </dgm:ruleLst>
+            </dgm:layoutNode>
+          </dgm:layoutNode>
+          <dgm:forEach name="Name19" axis="followSib" ptType="sibTrans" cnt="1">
+            <dgm:layoutNode name="space">
+              <dgm:alg type="sp"/>
+              <dgm:shape xmlns:r="http://schemas.openxmlformats.org/officeDocument/2006/relationships" r:blip="">
+                <dgm:adjLst/>
+              </dgm:shape>
+              <dgm:presOf/>
+              <dgm:constrLst/>
+              <dgm:ruleLst/>
+            </dgm:layoutNode>
+          </dgm:forEach>
+        </dgm:forEach>
+      </dgm:if>
+      <dgm:else name="Name20">
+        <dgm:constrLst>
+          <dgm:constr type="w" for="ch" forName="parTxOnly" refType="w"/>
+          <dgm:constr type="h" for="des" forName="parTxOnly" op="equ"/>
+          <dgm:constr type="primFontSz" for="des" forName="parTxOnly" op="equ" val="65"/>
+          <dgm:constr type="w" for="ch" forName="parTxOnlySpace" refType="w" refFor="ch" refForName="parTxOnly" fact="-0.1"/>
+        </dgm:constrLst>
+        <dgm:ruleLst/>
+        <dgm:forEach name="Name21" axis="ch" ptType="node">
+          <dgm:layoutNode name="parTxOnly">
+            <dgm:varLst>
+              <dgm:chMax val="0"/>
+              <dgm:chPref val="0"/>
+              <dgm:bulletEnabled val="1"/>
+            </dgm:varLst>
+            <dgm:alg type="tx"/>
+            <dgm:choose name="Name22">
+              <dgm:if name="Name23" func="var" arg="dir" op="equ" val="norm">
+                <dgm:shape xmlns:r="http://schemas.openxmlformats.org/officeDocument/2006/relationships" type="chevron" r:blip="">
+                  <dgm:adjLst/>
+                </dgm:shape>
+              </dgm:if>
+              <dgm:else name="Name24">
+                <dgm:shape xmlns:r="http://schemas.openxmlformats.org/officeDocument/2006/relationships" rot="180" type="chevron" r:blip="">
+                  <dgm:adjLst/>
+                </dgm:shape>
+              </dgm:else>
+            </dgm:choose>
+            <dgm:presOf axis="self" ptType="node"/>
+            <dgm:choose name="Name25">
+              <dgm:if name="Name26" func="var" arg="dir" op="equ" val="norm">
+                <dgm:constrLst>
+                  <dgm:constr type="h" refType="w" op="equ" fact="0.4"/>
+                  <dgm:constr type="tMarg" refType="primFontSz" fact="0.105"/>
+                  <dgm:constr type="bMarg" refType="primFontSz" fact="0.105"/>
+                  <dgm:constr type="lMarg" refType="primFontSz" fact="0.315"/>
+                  <dgm:constr type="rMarg" refType="primFontSz" fact="0.105"/>
+                </dgm:constrLst>
+              </dgm:if>
+              <dgm:else name="Name27">
+                <dgm:constrLst>
+                  <dgm:constr type="h" refType="w" op="equ" fact="0.4"/>
+                  <dgm:constr type="tMarg" refType="primFontSz" fact="0.105"/>
+                  <dgm:constr type="bMarg" refType="primFontSz" fact="0.105"/>
+                  <dgm:constr type="lMarg" refType="primFontSz" fact="0.105"/>
+                  <dgm:constr type="rMarg" refType="primFontSz" fact="0.315"/>
+                </dgm:constrLst>
+              </dgm:else>
+            </dgm:choose>
+            <dgm:ruleLst>
+              <dgm:rule type="primFontSz" val="5" fact="NaN" max="NaN"/>
+            </dgm:ruleLst>
+          </dgm:layoutNode>
+          <dgm:forEach name="Name28" axis="followSib" ptType="sibTrans" cnt="1">
+            <dgm:layoutNode name="parTxOnlySpace">
+              <dgm:alg type="sp"/>
+              <dgm:shape xmlns:r="http://schemas.openxmlformats.org/officeDocument/2006/relationships" r:blip="">
+                <dgm:adjLst/>
+              </dgm:shape>
+              <dgm:presOf/>
+              <dgm:constrLst/>
+              <dgm:ruleLst/>
+            </dgm:layoutNode>
+          </dgm:forEach>
+        </dgm:forEach>
+      </dgm:else>
+    </dgm:choose>
+  </dgm:layoutNode>
+</dgm:layoutDef>
+</file>
+
+<file path=ppt/diagrams/quickStyle1.xml><?xml version="1.0" encoding="utf-8"?>
+<dgm:styleDef xmlns:dgm="http://schemas.openxmlformats.org/drawingml/2006/diagram" xmlns:a="http://schemas.openxmlformats.org/drawingml/2006/main" uniqueId="urn:microsoft.com/office/officeart/2005/8/quickstyle/simple1">
+  <dgm:title val=""/>
+  <dgm:desc val=""/>
+  <dgm:catLst>
+    <dgm:cat type="simple" pri="10100"/>
+  </dgm:catLst>
+  <dgm:scene3d>
+    <a:camera prst="orthographicFront"/>
+    <a:lightRig rig="threePt" dir="t"/>
+  </dgm:scene3d>
+  <dgm:styleLbl name="node0">
+    <dgm:scene3d>
+      <a:camera prst="orthographicFront"/>
+      <a:lightRig rig="threePt" dir="t"/>
+    </dgm:scene3d>
+    <dgm:sp3d/>
+    <dgm:txPr/>
+    <dgm:style>
+      <a:lnRef idx="2">
+        <a:scrgbClr r="0" g="0" b="0"/>
+      </a:lnRef>
+      <a:fillRef idx="1">
+        <a:scrgbClr r="0" g="0" b="0"/>
+      </a:fillRef>
+      <a:effectRef idx="0">
+        <a:scrgbClr r="0" g="0" b="0"/>
+      </a:effectRef>
+      <a:fontRef idx="minor">
+        <a:schemeClr val="lt1"/>
+      </a:fontRef>
+    </dgm:style>
+  </dgm:styleLbl>
+  <dgm:styleLbl name="lnNode1">
+    <dgm:scene3d>
+      <a:camera prst="orthographicFront"/>
+      <a:lightRig rig="threePt" dir="t"/>
+    </dgm:scene3d>
+    <dgm:sp3d/>
+    <dgm:txPr/>
+    <dgm:style>
+      <a:lnRef idx="2">
+        <a:scrgbClr r="0" g="0" b="0"/>
+      </a:lnRef>
+      <a:fillRef idx="1">
+        <a:scrgbClr r="0" g="0" b="0"/>
+      </a:fillRef>
+      <a:effectRef idx="0">
+        <a:scrgbClr r="0" g="0" b="0"/>
+      </a:effectRef>
+      <a:fontRef idx="minor">
+        <a:schemeClr val="lt1"/>
+      </a:fontRef>
+    </dgm:style>
+  </dgm:styleLbl>
+  <dgm:styleLbl name="vennNode1">
+    <dgm:scene3d>
+      <a:camera prst="orthographicFront"/>
+      <a:lightRig rig="threePt" dir="t"/>
+    </dgm:scene3d>
+    <dgm:sp3d/>
+    <dgm:txPr/>
+    <dgm:style>
+      <a:lnRef idx="2">
+        <a:scrgbClr r="0" g="0" b="0"/>
+      </a:lnRef>
+      <a:fillRef idx="1">
+        <a:scrgbClr r="0" g="0" b="0"/>
+      </a:fillRef>
+      <a:effectRef idx="0">
+        <a:scrgbClr r="0" g="0" b="0"/>
+      </a:effectRef>
+      <a:fontRef idx="minor">
+        <a:schemeClr val="tx1"/>
+      </a:fontRef>
+    </dgm:style>
+  </dgm:styleLbl>
+  <dgm:styleLbl name="alignNode1">
+    <dgm:scene3d>
+      <a:camera prst="orthographicFront"/>
+      <a:lightRig rig="threePt" dir="t"/>
+    </dgm:scene3d>
+    <dgm:sp3d/>
+    <dgm:txPr/>
+    <dgm:style>
+      <a:lnRef idx="2">
+        <a:scrgbClr r="0" g="0" b="0"/>
+      </a:lnRef>
+      <a:fillRef idx="1">
+        <a:scrgbClr r="0" g="0" b="0"/>
+      </a:fillRef>
+      <a:effectRef idx="0">
+        <a:scrgbClr r="0" g="0" b="0"/>
+      </a:effectRef>
+      <a:fontRef idx="minor">
+        <a:schemeClr val="lt1"/>
+      </a:fontRef>
+    </dgm:style>
+  </dgm:styleLbl>
+  <dgm:styleLbl name="node1">
+    <dgm:scene3d>
+      <a:camera prst="orthographicFront"/>
+      <a:lightRig rig="threePt" dir="t"/>
+    </dgm:scene3d>
+    <dgm:sp3d/>
+    <dgm:txPr/>
+    <dgm:style>
+      <a:lnRef idx="2">
+        <a:scrgbClr r="0" g="0" b="0"/>
+      </a:lnRef>
+      <a:fillRef idx="1">
+        <a:scrgbClr r="0" g="0" b="0"/>
+      </a:fillRef>
+      <a:effectRef idx="0">
+        <a:scrgbClr r="0" g="0" b="0"/>
+      </a:effectRef>
+      <a:fontRef idx="minor">
+        <a:schemeClr val="lt1"/>
+      </a:fontRef>
+    </dgm:style>
+  </dgm:styleLbl>
+  <dgm:styleLbl name="node2">
+    <dgm:scene3d>
+      <a:camera prst="orthographicFront"/>
+      <a:lightRig rig="threePt" dir="t"/>
+    </dgm:scene3d>
+    <dgm:sp3d/>
+    <dgm:txPr/>
+    <dgm:style>
+      <a:lnRef idx="2">
+        <a:scrgbClr r="0" g="0" b="0"/>
+      </a:lnRef>
+      <a:fillRef idx="1">
+        <a:scrgbClr r="0" g="0" b="0"/>
+      </a:fillRef>
+      <a:effectRef idx="0">
+        <a:scrgbClr r="0" g="0" b="0"/>
+      </a:effectRef>
+      <a:fontRef idx="minor">
+        <a:schemeClr val="lt1"/>
+      </a:fontRef>
+    </dgm:style>
+  </dgm:styleLbl>
+  <dgm:styleLbl name="node3">
+    <dgm:scene3d>
+      <a:camera prst="orthographicFront"/>
+      <a:lightRig rig="threePt" dir="t"/>
+    </dgm:scene3d>
+    <dgm:sp3d/>
+    <dgm:txPr/>
+    <dgm:style>
+      <a:lnRef idx="2">
+        <a:scrgbClr r="0" g="0" b="0"/>
+      </a:lnRef>
+      <a:fillRef idx="1">
+        <a:scrgbClr r="0" g="0" b="0"/>
+      </a:fillRef>
+      <a:effectRef idx="0">
+        <a:scrgbClr r="0" g="0" b="0"/>
+      </a:effectRef>
+      <a:fontRef idx="minor">
+        <a:schemeClr val="lt1"/>
+      </a:fontRef>
+    </dgm:style>
+  </dgm:styleLbl>
+  <dgm:styleLbl name="node4">
+    <dgm:scene3d>
+      <a:camera prst="orthographicFront"/>
+      <a:lightRig rig="threePt" dir="t"/>
+    </dgm:scene3d>
+    <dgm:sp3d/>
+    <dgm:txPr/>
+    <dgm:style>
+      <a:lnRef idx="2">
+        <a:scrgbClr r="0" g="0" b="0"/>
+      </a:lnRef>
+      <a:fillRef idx="1">
+        <a:scrgbClr r="0" g="0" b="0"/>
+      </a:fillRef>
+      <a:effectRef idx="0">
+        <a:scrgbClr r="0" g="0" b="0"/>
+      </a:effectRef>
+      <a:fontRef idx="minor">
+        <a:schemeClr val="lt1"/>
+      </a:fontRef>
+    </dgm:style>
+  </dgm:styleLbl>
+  <dgm:styleLbl name="fgImgPlace1">
+    <dgm:scene3d>
+      <a:camera prst="orthographicFront"/>
+      <a:lightRig rig="threePt" dir="t"/>
+    </dgm:scene3d>
+    <dgm:sp3d/>
+    <dgm:txPr/>
+    <dgm:style>
+      <a:lnRef idx="2">
+        <a:scrgbClr r="0" g="0" b="0"/>
+      </a:lnRef>
+      <a:fillRef idx="1">
+        <a:scrgbClr r="0" g="0" b="0"/>
+      </a:fillRef>
+      <a:effectRef idx="0">
+        <a:scrgbClr r="0" g="0" b="0"/>
+      </a:effectRef>
+      <a:fontRef idx="minor"/>
+    </dgm:style>
+  </dgm:styleLbl>
+  <dgm:styleLbl name="alignImgPlace1">
+    <dgm:scene3d>
+      <a:camera prst="orthographicFront"/>
+      <a:lightRig rig="threePt" dir="t"/>
+    </dgm:scene3d>
+    <dgm:sp3d/>
+    <dgm:txPr/>
+    <dgm:style>
+      <a:lnRef idx="2">
+        <a:scrgbClr r="0" g="0" b="0"/>
+      </a:lnRef>
+      <a:fillRef idx="1">
+        <a:scrgbClr r="0" g="0" b="0"/>
+      </a:fillRef>
+      <a:effectRef idx="0">
+        <a:scrgbClr r="0" g="0" b="0"/>
+      </a:effectRef>
+      <a:fontRef idx="minor"/>
+    </dgm:style>
+  </dgm:styleLbl>
+  <dgm:styleLbl name="bgImgPlace1">
+    <dgm:scene3d>
+      <a:camera prst="orthographicFront"/>
+      <a:lightRig rig="threePt" dir="t"/>
+    </dgm:scene3d>
+    <dgm:sp3d/>
+    <dgm:txPr/>
+    <dgm:style>
+      <a:lnRef idx="2">
+        <a:scrgbClr r="0" g="0" b="0"/>
+      </a:lnRef>
+      <a:fillRef idx="1">
+        <a:scrgbClr r="0" g="0" b="0"/>
+      </a:fillRef>
+      <a:effectRef idx="0">
+        <a:scrgbClr r="0" g="0" b="0"/>
+      </a:effectRef>
+      <a:fontRef idx="minor"/>
+    </dgm:style>
+  </dgm:styleLbl>
+  <dgm:styleLbl name="sibTrans2D1">
+    <dgm:scene3d>
+      <a:camera prst="orthographicFront"/>
+      <a:lightRig rig="threePt" dir="t"/>
+    </dgm:scene3d>
+    <dgm:sp3d/>
+    <dgm:txPr/>
+    <dgm:style>
+      <a:lnRef idx="0">
+        <a:scrgbClr r="0" g="0" b="0"/>
+      </a:lnRef>
+      <a:fillRef idx="1">
+        <a:scrgbClr r="0" g="0" b="0"/>
+      </a:fillRef>
+      <a:effectRef idx="0">
+        <a:scrgbClr r="0" g="0" b="0"/>
+      </a:effectRef>
+      <a:fontRef idx="minor">
+        <a:schemeClr val="lt1"/>
+      </a:fontRef>
+    </dgm:style>
+  </dgm:styleLbl>
+  <dgm:styleLbl name="fgSibTrans2D1">
+    <dgm:scene3d>
+      <a:camera prst="orthographicFront"/>
+      <a:lightRig rig="threePt" dir="t"/>
+    </dgm:scene3d>
+    <dgm:sp3d/>
+    <dgm:txPr/>
+    <dgm:style>
+      <a:lnRef idx="0">
+        <a:scrgbClr r="0" g="0" b="0"/>
+      </a:lnRef>
+      <a:fillRef idx="1">
+        <a:scrgbClr r="0" g="0" b="0"/>
+      </a:fillRef>
+      <a:effectRef idx="0">
+        <a:scrgbClr r="0" g="0" b="0"/>
+      </a:effectRef>
+      <a:fontRef idx="minor">
+        <a:schemeClr val="lt1"/>
+      </a:fontRef>
+    </dgm:style>
+  </dgm:styleLbl>
+  <dgm:styleLbl name="bgSibTrans2D1">
+    <dgm:scene3d>
+      <a:camera prst="orthographicFront"/>
+      <a:lightRig rig="threePt" dir="t"/>
+    </dgm:scene3d>
+    <dgm:sp3d/>
+    <dgm:txPr/>
+    <dgm:style>
+      <a:lnRef idx="0">
+        <a:scrgbClr r="0" g="0" b="0"/>
+      </a:lnRef>
+      <a:fillRef idx="1">
+        <a:scrgbClr r="0" g="0" b="0"/>
+      </a:fillRef>
+      <a:effectRef idx="0">
+        <a:scrgbClr r="0" g="0" b="0"/>
+      </a:effectRef>
+      <a:fontRef idx="minor">
+        <a:schemeClr val="lt1"/>
+      </a:fontRef>
+    </dgm:style>
+  </dgm:styleLbl>
+  <dgm:styleLbl name="sibTrans1D1">
+    <dgm:scene3d>
+      <a:camera prst="orthographicFront"/>
+      <a:lightRig rig="threePt" dir="t"/>
+    </dgm:scene3d>
+    <dgm:sp3d/>
+    <dgm:txPr/>
+    <dgm:style>
+      <a:lnRef idx="1">
+        <a:scrgbClr r="0" g="0" b="0"/>
+      </a:lnRef>
+      <a:fillRef idx="0">
+        <a:scrgbClr r="0" g="0" b="0"/>
+      </a:fillRef>
+      <a:effectRef idx="0">
+        <a:scrgbClr r="0" g="0" b="0"/>
+      </a:effectRef>
+      <a:fontRef idx="minor"/>
+    </dgm:style>
+  </dgm:styleLbl>
+  <dgm:styleLbl name="callout">
+    <dgm:scene3d>
+      <a:camera prst="orthographicFront"/>
+      <a:lightRig rig="threePt" dir="t"/>
+    </dgm:scene3d>
+    <dgm:sp3d/>
+    <dgm:txPr/>
+    <dgm:style>
+      <a:lnRef idx="2">
+        <a:scrgbClr r="0" g="0" b="0"/>
+      </a:lnRef>
+      <a:fillRef idx="1">
+        <a:scrgbClr r="0" g="0" b="0"/>
+      </a:fillRef>
+      <a:effectRef idx="0">
+        <a:scrgbClr r="0" g="0" b="0"/>
+      </a:effectRef>
+      <a:fontRef idx="minor"/>
+    </dgm:style>
+  </dgm:styleLbl>
+  <dgm:styleLbl name="asst0">
+    <dgm:scene3d>
+      <a:camera prst="orthographicFront"/>
+      <a:lightRig rig="threePt" dir="t"/>
+    </dgm:scene3d>
+    <dgm:sp3d/>
+    <dgm:txPr/>
+    <dgm:style>
+      <a:lnRef idx="2">
+        <a:scrgbClr r="0" g="0" b="0"/>
+      </a:lnRef>
+      <a:fillRef idx="1">
+        <a:scrgbClr r="0" g="0" b="0"/>
+      </a:fillRef>
+      <a:effectRef idx="0">
+        <a:scrgbClr r="0" g="0" b="0"/>
+      </a:effectRef>
+      <a:fontRef idx="minor">
+        <a:schemeClr val="lt1"/>
+      </a:fontRef>
+    </dgm:style>
+  </dgm:styleLbl>
+  <dgm:styleLbl name="asst1">
+    <dgm:scene3d>
+      <a:camera prst="orthographicFront"/>
+      <a:lightRig rig="threePt" dir="t"/>
+    </dgm:scene3d>
+    <dgm:sp3d/>
+    <dgm:txPr/>
+    <dgm:style>
+      <a:lnRef idx="2">
+        <a:scrgbClr r="0" g="0" b="0"/>
+      </a:lnRef>
+      <a:fillRef idx="1">
+        <a:scrgbClr r="0" g="0" b="0"/>
+      </a:fillRef>
+      <a:effectRef idx="0">
+        <a:scrgbClr r="0" g="0" b="0"/>
+      </a:effectRef>
+      <a:fontRef idx="minor">
+        <a:schemeClr val="lt1"/>
+      </a:fontRef>
+    </dgm:style>
+  </dgm:styleLbl>
+  <dgm:styleLbl name="asst2">
+    <dgm:scene3d>
+      <a:camera prst="orthographicFront"/>
+      <a:lightRig rig="threePt" dir="t"/>
+    </dgm:scene3d>
+    <dgm:sp3d/>
+    <dgm:txPr/>
+    <dgm:style>
+      <a:lnRef idx="2">
+        <a:scrgbClr r="0" g="0" b="0"/>
+      </a:lnRef>
+      <a:fillRef idx="1">
+        <a:scrgbClr r="0" g="0" b="0"/>
+      </a:fillRef>
+      <a:effectRef idx="0">
+        <a:scrgbClr r="0" g="0" b="0"/>
+      </a:effectRef>
+      <a:fontRef idx="minor">
+        <a:schemeClr val="lt1"/>
+      </a:fontRef>
+    </dgm:style>
+  </dgm:styleLbl>
+  <dgm:styleLbl name="asst3">
+    <dgm:scene3d>
+      <a:camera prst="orthographicFront"/>
+      <a:lightRig rig="threePt" dir="t"/>
+    </dgm:scene3d>
+    <dgm:sp3d/>
+    <dgm:txPr/>
+    <dgm:style>
+      <a:lnRef idx="2">
+        <a:scrgbClr r="0" g="0" b="0"/>
+      </a:lnRef>
+      <a:fillRef idx="1">
+        <a:scrgbClr r="0" g="0" b="0"/>
+      </a:fillRef>
+      <a:effectRef idx="0">
+        <a:scrgbClr r="0" g="0" b="0"/>
+      </a:effectRef>
+      <a:fontRef idx="minor">
+        <a:schemeClr val="lt1"/>
+      </a:fontRef>
+    </dgm:style>
+  </dgm:styleLbl>
+  <dgm:styleLbl name="asst4">
+    <dgm:scene3d>
+      <a:camera prst="orthographicFront"/>
+      <a:lightRig rig="threePt" dir="t"/>
+    </dgm:scene3d>
+    <dgm:sp3d/>
+    <dgm:txPr/>
+    <dgm:style>
+      <a:lnRef idx="2">
+        <a:scrgbClr r="0" g="0" b="0"/>
+      </a:lnRef>
+      <a:fillRef idx="1">
+        <a:scrgbClr r="0" g="0" b="0"/>
+      </a:fillRef>
+      <a:effectRef idx="0">
+        <a:scrgbClr r="0" g="0" b="0"/>
+      </a:effectRef>
+      <a:fontRef idx="minor">
+        <a:schemeClr val="lt1"/>
+      </a:fontRef>
+    </dgm:style>
+  </dgm:styleLbl>
+  <dgm:styleLbl name="parChTrans2D1">
+    <dgm:scene3d>
+      <a:camera prst="orthographicFront"/>
+      <a:lightRig rig="threePt" dir="t"/>
+    </dgm:scene3d>
+    <dgm:sp3d/>
+    <dgm:txPr/>
+    <dgm:style>
+      <a:lnRef idx="2">
+        <a:scrgbClr r="0" g="0" b="0"/>
+      </a:lnRef>
+      <a:fillRef idx="1">
+        <a:scrgbClr r="0" g="0" b="0"/>
+      </a:fillRef>
+      <a:effectRef idx="0">
+        <a:scrgbClr r="0" g="0" b="0"/>
+      </a:effectRef>
+      <a:fontRef idx="minor">
+        <a:schemeClr val="lt1"/>
+      </a:fontRef>
+    </dgm:style>
+  </dgm:styleLbl>
+  <dgm:styleLbl name="parChTrans2D2">
+    <dgm:scene3d>
+      <a:camera prst="orthographicFront"/>
+      <a:lightRig rig="threePt" dir="t"/>
+    </dgm:scene3d>
+    <dgm:sp3d/>
+    <dgm:txPr/>
+    <dgm:style>
+      <a:lnRef idx="2">
+        <a:scrgbClr r="0" g="0" b="0"/>
+      </a:lnRef>
+      <a:fillRef idx="1">
+        <a:scrgbClr r="0" g="0" b="0"/>
+      </a:fillRef>
+      <a:effectRef idx="0">
+        <a:scrgbClr r="0" g="0" b="0"/>
+      </a:effectRef>
+      <a:fontRef idx="minor">
+        <a:schemeClr val="lt1"/>
+      </a:fontRef>
+    </dgm:style>
+  </dgm:styleLbl>
+  <dgm:styleLbl name="parChTrans2D3">
+    <dgm:scene3d>
+      <a:camera prst="orthographicFront"/>
+      <a:lightRig rig="threePt" dir="t"/>
+    </dgm:scene3d>
+    <dgm:sp3d/>
+    <dgm:txPr/>
+    <dgm:style>
+      <a:lnRef idx="2">
+        <a:scrgbClr r="0" g="0" b="0"/>
+      </a:lnRef>
+      <a:fillRef idx="1">
+        <a:scrgbClr r="0" g="0" b="0"/>
+      </a:fillRef>
+      <a:effectRef idx="0">
+        <a:scrgbClr r="0" g="0" b="0"/>
+      </a:effectRef>
+      <a:fontRef idx="minor">
+        <a:schemeClr val="lt1"/>
+      </a:fontRef>
+    </dgm:style>
+  </dgm:styleLbl>
+  <dgm:styleLbl name="parChTrans2D4">
+    <dgm:scene3d>
+      <a:camera prst="orthographicFront"/>
+      <a:lightRig rig="threePt" dir="t"/>
+    </dgm:scene3d>
+    <dgm:sp3d/>
+    <dgm:txPr/>
+    <dgm:style>
+      <a:lnRef idx="2">
+        <a:scrgbClr r="0" g="0" b="0"/>
+      </a:lnRef>
+      <a:fillRef idx="1">
+        <a:scrgbClr r="0" g="0" b="0"/>
+      </a:fillRef>
+      <a:effectRef idx="0">
+        <a:scrgbClr r="0" g="0" b="0"/>
+      </a:effectRef>
+      <a:fontRef idx="minor">
+        <a:schemeClr val="lt1"/>
+      </a:fontRef>
+    </dgm:style>
+  </dgm:styleLbl>
+  <dgm:styleLbl name="parChTrans1D1">
+    <dgm:scene3d>
+      <a:camera prst="orthographicFront"/>
+      <a:lightRig rig="threePt" dir="t"/>
+    </dgm:scene3d>
+    <dgm:sp3d/>
+    <dgm:txPr/>
+    <dgm:style>
+      <a:lnRef idx="2">
+        <a:scrgbClr r="0" g="0" b="0"/>
+      </a:lnRef>
+      <a:fillRef idx="0">
+        <a:scrgbClr r="0" g="0" b="0"/>
+      </a:fillRef>
+      <a:effectRef idx="0">
+        <a:scrgbClr r="0" g="0" b="0"/>
+      </a:effectRef>
+      <a:fontRef idx="minor"/>
+    </dgm:style>
+  </dgm:styleLbl>
+  <dgm:styleLbl name="parChTrans1D2">
+    <dgm:scene3d>
+      <a:camera prst="orthographicFront"/>
+      <a:lightRig rig="threePt" dir="t"/>
+    </dgm:scene3d>
+    <dgm:sp3d/>
+    <dgm:txPr/>
+    <dgm:style>
+      <a:lnRef idx="2">
+        <a:scrgbClr r="0" g="0" b="0"/>
+      </a:lnRef>
+      <a:fillRef idx="0">
+        <a:scrgbClr r="0" g="0" b="0"/>
+      </a:fillRef>
+      <a:effectRef idx="0">
+        <a:scrgbClr r="0" g="0" b="0"/>
+      </a:effectRef>
+      <a:fontRef idx="minor"/>
+    </dgm:style>
+  </dgm:styleLbl>
+  <dgm:styleLbl name="parChTrans1D3">
+    <dgm:scene3d>
+      <a:camera prst="orthographicFront"/>
+      <a:lightRig rig="threePt" dir="t"/>
+    </dgm:scene3d>
+    <dgm:sp3d/>
+    <dgm:txPr/>
+    <dgm:style>
+      <a:lnRef idx="2">
+        <a:scrgbClr r="0" g="0" b="0"/>
+      </a:lnRef>
+      <a:fillRef idx="0">
+        <a:scrgbClr r="0" g="0" b="0"/>
+      </a:fillRef>
+      <a:effectRef idx="0">
+        <a:scrgbClr r="0" g="0" b="0"/>
+      </a:effectRef>
+      <a:fontRef idx="minor"/>
+    </dgm:style>
+  </dgm:styleLbl>
+  <dgm:styleLbl name="parChTrans1D4">
+    <dgm:scene3d>
+      <a:camera prst="orthographicFront"/>
+      <a:lightRig rig="threePt" dir="t"/>
+    </dgm:scene3d>
+    <dgm:sp3d/>
+    <dgm:txPr/>
+    <dgm:style>
+      <a:lnRef idx="2">
+        <a:scrgbClr r="0" g="0" b="0"/>
+      </a:lnRef>
+      <a:fillRef idx="0">
+        <a:scrgbClr r="0" g="0" b="0"/>
+      </a:fillRef>
+      <a:effectRef idx="0">
+        <a:scrgbClr r="0" g="0" b="0"/>
+      </a:effectRef>
+      <a:fontRef idx="minor"/>
+    </dgm:style>
+  </dgm:styleLbl>
+  <dgm:styleLbl name="fgAcc1">
+    <dgm:scene3d>
+      <a:camera prst="orthographicFront"/>
+      <a:lightRig rig="threePt" dir="t"/>
+    </dgm:scene3d>
+    <dgm:sp3d/>
+    <dgm:txPr/>
+    <dgm:style>
+      <a:lnRef idx="2">
+        <a:scrgbClr r="0" g="0" b="0"/>
+      </a:lnRef>
+      <a:fillRef idx="1">
+        <a:scrgbClr r="0" g="0" b="0"/>
+      </a:fillRef>
+      <a:effectRef idx="0">
+        <a:scrgbClr r="0" g="0" b="0"/>
+      </a:effectRef>
+      <a:fontRef idx="minor"/>
+    </dgm:style>
+  </dgm:styleLbl>
+  <dgm:styleLbl name="conFgAcc1">
+    <dgm:scene3d>
+      <a:camera prst="orthographicFront"/>
+      <a:lightRig rig="threePt" dir="t"/>
+    </dgm:scene3d>
+    <dgm:sp3d/>
+    <dgm:txPr/>
+    <dgm:style>
+      <a:lnRef idx="2">
+        <a:scrgbClr r="0" g="0" b="0"/>
+      </a:lnRef>
+      <a:fillRef idx="1">
+        <a:scrgbClr r="0" g="0" b="0"/>
+      </a:fillRef>
+      <a:effectRef idx="0">
+        <a:scrgbClr r="0" g="0" b="0"/>
+      </a:effectRef>
+      <a:fontRef idx="minor"/>
+    </dgm:style>
+  </dgm:styleLbl>
+  <dgm:styleLbl name="alignAcc1">
+    <dgm:scene3d>
+      <a:camera prst="orthographicFront"/>
+      <a:lightRig rig="threePt" dir="t"/>
+    </dgm:scene3d>
+    <dgm:sp3d/>
+    <dgm:txPr/>
+    <dgm:style>
+      <a:lnRef idx="2">
+        <a:scrgbClr r="0" g="0" b="0"/>
+      </a:lnRef>
+      <a:fillRef idx="1">
+        <a:scrgbClr r="0" g="0" b="0"/>
+      </a:fillRef>
+      <a:effectRef idx="0">
+        <a:scrgbClr r="0" g="0" b="0"/>
+      </a:effectRef>
+      <a:fontRef idx="minor"/>
+    </dgm:style>
+  </dgm:styleLbl>
+  <dgm:styleLbl name="trAlignAcc1">
+    <dgm:scene3d>
+      <a:camera prst="orthographicFront"/>
+      <a:lightRig rig="threePt" dir="t"/>
+    </dgm:scene3d>
+    <dgm:sp3d/>
+    <dgm:txPr/>
+    <dgm:style>
+      <a:lnRef idx="1">
+        <a:scrgbClr r="0" g="0" b="0"/>
+      </a:lnRef>
+      <a:fillRef idx="1">
+        <a:scrgbClr r="0" g="0" b="0"/>
+      </a:fillRef>
+      <a:effectRef idx="0">
+        <a:scrgbClr r="0" g="0" b="0"/>
+      </a:effectRef>
+      <a:fontRef idx="minor"/>
+    </dgm:style>
+  </dgm:styleLbl>
+  <dgm:styleLbl name="bgAcc1">
+    <dgm:scene3d>
+      <a:camera prst="orthographicFront"/>
+      <a:lightRig rig="threePt" dir="t"/>
+    </dgm:scene3d>
+    <dgm:sp3d/>
+    <dgm:txPr/>
+    <dgm:style>
+      <a:lnRef idx="2">
+        <a:scrgbClr r="0" g="0" b="0"/>
+      </a:lnRef>
+      <a:fillRef idx="1">
+        <a:scrgbClr r="0" g="0" b="0"/>
+      </a:fillRef>
+      <a:effectRef idx="0">
+        <a:scrgbClr r="0" g="0" b="0"/>
+      </a:effectRef>
+      <a:fontRef idx="minor"/>
+    </dgm:style>
+  </dgm:styleLbl>
+  <dgm:styleLbl name="solidFgAcc1">
+    <dgm:scene3d>
+      <a:camera prst="orthographicFront"/>
+      <a:lightRig rig="threePt" dir="t"/>
+    </dgm:scene3d>
+    <dgm:sp3d/>
+    <dgm:txPr/>
+    <dgm:style>
+      <a:lnRef idx="2">
+        <a:scrgbClr r="0" g="0" b="0"/>
+      </a:lnRef>
+      <a:fillRef idx="1">
+        <a:scrgbClr r="0" g="0" b="0"/>
+      </a:fillRef>
+      <a:effectRef idx="0">
+        <a:scrgbClr r="0" g="0" b="0"/>
+      </a:effectRef>
+      <a:fontRef idx="minor"/>
+    </dgm:style>
+  </dgm:styleLbl>
+  <dgm:styleLbl name="solidAlignAcc1">
+    <dgm:scene3d>
+      <a:camera prst="orthographicFront"/>
+      <a:lightRig rig="threePt" dir="t"/>
+    </dgm:scene3d>
+    <dgm:sp3d/>
+    <dgm:txPr/>
+    <dgm:style>
+      <a:lnRef idx="2">
+        <a:scrgbClr r="0" g="0" b="0"/>
+      </a:lnRef>
+      <a:fillRef idx="1">
+        <a:scrgbClr r="0" g="0" b="0"/>
+      </a:fillRef>
+      <a:effectRef idx="0">
+        <a:scrgbClr r="0" g="0" b="0"/>
+      </a:effectRef>
+      <a:fontRef idx="minor"/>
+    </dgm:style>
+  </dgm:styleLbl>
+  <dgm:styleLbl name="solidBgAcc1">
+    <dgm:scene3d>
+      <a:camera prst="orthographicFront"/>
+      <a:lightRig rig="threePt" dir="t"/>
+    </dgm:scene3d>
+    <dgm:sp3d/>
+    <dgm:txPr/>
+    <dgm:style>
+      <a:lnRef idx="2">
+        <a:scrgbClr r="0" g="0" b="0"/>
+      </a:lnRef>
+      <a:fillRef idx="1">
+        <a:scrgbClr r="0" g="0" b="0"/>
+      </a:fillRef>
+      <a:effectRef idx="0">
+        <a:scrgbClr r="0" g="0" b="0"/>
+      </a:effectRef>
+      <a:fontRef idx="minor"/>
+    </dgm:style>
+  </dgm:styleLbl>
+  <dgm:styleLbl name="fgAccFollowNode1">
+    <dgm:scene3d>
+      <a:camera prst="orthographicFront"/>
+      <a:lightRig rig="threePt" dir="t"/>
+    </dgm:scene3d>
+    <dgm:sp3d/>
+    <dgm:txPr/>
+    <dgm:style>
+      <a:lnRef idx="2">
+        <a:scrgbClr r="0" g="0" b="0"/>
+      </a:lnRef>
+      <a:fillRef idx="1">
+        <a:scrgbClr r="0" g="0" b="0"/>
+      </a:fillRef>
+      <a:effectRef idx="0">
+        <a:scrgbClr r="0" g="0" b="0"/>
+      </a:effectRef>
+      <a:fontRef idx="minor"/>
+    </dgm:style>
+  </dgm:styleLbl>
+  <dgm:styleLbl name="alignAccFollowNode1">
+    <dgm:scene3d>
+      <a:camera prst="orthographicFront"/>
+      <a:lightRig rig="threePt" dir="t"/>
+    </dgm:scene3d>
+    <dgm:sp3d/>
+    <dgm:txPr/>
+    <dgm:style>
+      <a:lnRef idx="2">
+        <a:scrgbClr r="0" g="0" b="0"/>
+      </a:lnRef>
+      <a:fillRef idx="1">
+        <a:scrgbClr r="0" g="0" b="0"/>
+      </a:fillRef>
+      <a:effectRef idx="0">
+        <a:scrgbClr r="0" g="0" b="0"/>
+      </a:effectRef>
+      <a:fontRef idx="minor"/>
+    </dgm:style>
+  </dgm:styleLbl>
+  <dgm:styleLbl name="bgAccFollowNode1">
+    <dgm:scene3d>
+      <a:camera prst="orthographicFront"/>
+      <a:lightRig rig="threePt" dir="t"/>
+    </dgm:scene3d>
+    <dgm:sp3d/>
+    <dgm:txPr/>
+    <dgm:style>
+      <a:lnRef idx="2">
+        <a:scrgbClr r="0" g="0" b="0"/>
+      </a:lnRef>
+      <a:fillRef idx="1">
+        <a:scrgbClr r="0" g="0" b="0"/>
+      </a:fillRef>
+      <a:effectRef idx="0">
+        <a:scrgbClr r="0" g="0" b="0"/>
+      </a:effectRef>
+      <a:fontRef idx="minor"/>
+    </dgm:style>
+  </dgm:styleLbl>
+  <dgm:styleLbl name="fgAcc0">
+    <dgm:scene3d>
+      <a:camera prst="orthographicFront"/>
+      <a:lightRig rig="threePt" dir="t"/>
+    </dgm:scene3d>
+    <dgm:sp3d/>
+    <dgm:txPr/>
+    <dgm:style>
+      <a:lnRef idx="2">
+        <a:scrgbClr r="0" g="0" b="0"/>
+      </a:lnRef>
+      <a:fillRef idx="1">
+        <a:scrgbClr r="0" g="0" b="0"/>
+      </a:fillRef>
+      <a:effectRef idx="0">
+        <a:scrgbClr r="0" g="0" b="0"/>
+      </a:effectRef>
+      <a:fontRef idx="minor"/>
+    </dgm:style>
+  </dgm:styleLbl>
+  <dgm:styleLbl name="fgAcc2">
+    <dgm:scene3d>
+      <a:camera prst="orthographicFront"/>
+      <a:lightRig rig="threePt" dir="t"/>
+    </dgm:scene3d>
+    <dgm:sp3d/>
+    <dgm:txPr/>
+    <dgm:style>
+      <a:lnRef idx="2">
+        <a:scrgbClr r="0" g="0" b="0"/>
+      </a:lnRef>
+      <a:fillRef idx="1">
+        <a:scrgbClr r="0" g="0" b="0"/>
+      </a:fillRef>
+      <a:effectRef idx="0">
+        <a:scrgbClr r="0" g="0" b="0"/>
+      </a:effectRef>
+      <a:fontRef idx="minor"/>
+    </dgm:style>
+  </dgm:styleLbl>
+  <dgm:styleLbl name="fgAcc3">
+    <dgm:scene3d>
+      <a:camera prst="orthographicFront"/>
+      <a:lightRig rig="threePt" dir="t"/>
+    </dgm:scene3d>
+    <dgm:sp3d/>
+    <dgm:txPr/>
+    <dgm:style>
+      <a:lnRef idx="2">
+        <a:scrgbClr r="0" g="0" b="0"/>
+      </a:lnRef>
+      <a:fillRef idx="1">
+        <a:scrgbClr r="0" g="0" b="0"/>
+      </a:fillRef>
+      <a:effectRef idx="0">
+        <a:scrgbClr r="0" g="0" b="0"/>
+      </a:effectRef>
+      <a:fontRef idx="minor"/>
+    </dgm:style>
+  </dgm:styleLbl>
+  <dgm:styleLbl name="fgAcc4">
+    <dgm:scene3d>
+      <a:camera prst="orthographicFront"/>
+      <a:lightRig rig="threePt" dir="t"/>
+    </dgm:scene3d>
+    <dgm:sp3d/>
+    <dgm:txPr/>
+    <dgm:style>
+      <a:lnRef idx="2">
+        <a:scrgbClr r="0" g="0" b="0"/>
+      </a:lnRef>
+      <a:fillRef idx="1">
+        <a:scrgbClr r="0" g="0" b="0"/>
+      </a:fillRef>
+      <a:effectRef idx="0">
+        <a:scrgbClr r="0" g="0" b="0"/>
+      </a:effectRef>
+      <a:fontRef idx="minor"/>
+    </dgm:style>
+  </dgm:styleLbl>
+  <dgm:styleLbl name="bgShp">
+    <dgm:scene3d>
+      <a:camera prst="orthographicFront"/>
+      <a:lightRig rig="threePt" dir="t"/>
+    </dgm:scene3d>
+    <dgm:sp3d/>
+    <dgm:txPr/>
+    <dgm:style>
+      <a:lnRef idx="0">
+        <a:scrgbClr r="0" g="0" b="0"/>
+      </a:lnRef>
+      <a:fillRef idx="1">
+        <a:scrgbClr r="0" g="0" b="0"/>
+      </a:fillRef>
+      <a:effectRef idx="0">
+        <a:scrgbClr r="0" g="0" b="0"/>
+      </a:effectRef>
+      <a:fontRef idx="minor"/>
+    </dgm:style>
+  </dgm:styleLbl>
+  <dgm:styleLbl name="dkBgShp">
+    <dgm:scene3d>
+      <a:camera prst="orthographicFront"/>
+      <a:lightRig rig="threePt" dir="t"/>
+    </dgm:scene3d>
+    <dgm:sp3d/>
+    <dgm:txPr/>
+    <dgm:style>
+      <a:lnRef idx="0">
+        <a:scrgbClr r="0" g="0" b="0"/>
+      </a:lnRef>
+      <a:fillRef idx="1">
+        <a:scrgbClr r="0" g="0" b="0"/>
+      </a:fillRef>
+      <a:effectRef idx="0">
+        <a:scrgbClr r="0" g="0" b="0"/>
+      </a:effectRef>
+      <a:fontRef idx="minor"/>
+    </dgm:style>
+  </dgm:styleLbl>
+  <dgm:styleLbl name="trBgShp">
+    <dgm:scene3d>
+      <a:camera prst="orthographicFront"/>
+      <a:lightRig rig="threePt" dir="t"/>
+    </dgm:scene3d>
+    <dgm:sp3d/>
+    <dgm:txPr/>
+    <dgm:style>
+      <a:lnRef idx="0">
+        <a:scrgbClr r="0" g="0" b="0"/>
+      </a:lnRef>
+      <a:fillRef idx="1">
+        <a:scrgbClr r="0" g="0" b="0"/>
+      </a:fillRef>
+      <a:effectRef idx="0">
+        <a:scrgbClr r="0" g="0" b="0"/>
+      </a:effectRef>
+      <a:fontRef idx="minor"/>
+    </dgm:style>
+  </dgm:styleLbl>
+  <dgm:styleLbl name="fgShp">
+    <dgm:scene3d>
+      <a:camera prst="orthographicFront"/>
+      <a:lightRig rig="threePt" dir="t"/>
+    </dgm:scene3d>
+    <dgm:sp3d/>
+    <dgm:txPr/>
+    <dgm:style>
+      <a:lnRef idx="2">
+        <a:scrgbClr r="0" g="0" b="0"/>
+      </a:lnRef>
+      <a:fillRef idx="1">
+        <a:scrgbClr r="0" g="0" b="0"/>
+      </a:fillRef>
+      <a:effectRef idx="0">
+        <a:scrgbClr r="0" g="0" b="0"/>
+      </a:effectRef>
+      <a:fontRef idx="minor"/>
+    </dgm:style>
+  </dgm:styleLbl>
+  <dgm:styleLbl name="revTx">
+    <dgm:scene3d>
+      <a:camera prst="orthographicFront"/>
+      <a:lightRig rig="threePt" dir="t"/>
+    </dgm:scene3d>
+    <dgm:sp3d/>
+    <dgm:txPr/>
+    <dgm:style>
+      <a:lnRef idx="0">
+        <a:scrgbClr r="0" g="0" b="0"/>
+      </a:lnRef>
+      <a:fillRef idx="0">
+        <a:scrgbClr r="0" g="0" b="0"/>
+      </a:fillRef>
+      <a:effectRef idx="0">
+        <a:scrgbClr r="0" g="0" b="0"/>
+      </a:effectRef>
+      <a:fontRef idx="minor"/>
+    </dgm:style>
+  </dgm:styleLbl>
+</dgm:styleDef>
 </file>
 
 <file path=ppt/notesMasters/notesMaster1.xml><?xml version="1.0" encoding="utf-8"?>
@@ -539,7 +3281,7 @@
           <a:p>
             <a:fld id="{7BEC90F1-E322-4442-B63E-479D15FE1E67}" type="slidenum">
               <a:rPr lang="en-US" smtClean="0"/>
-              <a:t>6</a:t>
+              <a:t>7</a:t>
             </a:fld>
             <a:endParaRPr lang="en-US"/>
           </a:p>
@@ -2395,7 +5137,7 @@
           <p:cNvPr id="2" name="标题 1">
             <a:extLst>
               <a:ext uri="{FF2B5EF4-FFF2-40B4-BE49-F238E27FC236}">
-                <a16:creationId xmlns:a16="http://schemas.microsoft.com/office/drawing/2014/main" id="{D07F86A8-E7F3-4EDD-A233-9C2F77B6AF48}"/>
+                <a16:creationId xmlns:a16="http://schemas.microsoft.com/office/drawing/2014/main" id="{0D8A58A4-4D8B-4795-BB5C-D5E63E599E63}"/>
               </a:ext>
             </a:extLst>
           </p:cNvPr>
@@ -2408,7 +5150,7 @@
         </p:nvSpPr>
         <p:spPr>
           <a:xfrm>
-            <a:off x="518600" y="3043446"/>
+            <a:off x="452487" y="133201"/>
             <a:ext cx="11154800" cy="1016800"/>
           </a:xfrm>
         </p:spPr>
@@ -2416,14 +5158,113 @@
           <a:bodyPr/>
           <a:lstStyle/>
           <a:p>
-            <a:r>
-              <a:rPr lang="en-US" altLang="zh-CN" sz="2800" dirty="0"/>
+            <a:pPr algn="l"/>
+            <a:r>
+              <a:rPr lang="zh-CN" altLang="en-US" dirty="0"/>
+              <a:t>总体框架：七言律诗生成器</a:t>
+            </a:r>
+            <a:endParaRPr lang="en-US" dirty="0"/>
+          </a:p>
+        </p:txBody>
+      </p:sp>
+      <p:pic>
+        <p:nvPicPr>
+          <p:cNvPr id="5" name="图片 4">
+            <a:extLst>
+              <a:ext uri="{FF2B5EF4-FFF2-40B4-BE49-F238E27FC236}">
+                <a16:creationId xmlns:a16="http://schemas.microsoft.com/office/drawing/2014/main" id="{755CD521-6F96-4260-A8E8-96B9715901E4}"/>
+              </a:ext>
+            </a:extLst>
+          </p:cNvPr>
+          <p:cNvPicPr>
+            <a:picLocks noChangeAspect="1"/>
+          </p:cNvPicPr>
+          <p:nvPr/>
+        </p:nvPicPr>
+        <p:blipFill rotWithShape="1">
+          <a:blip r:embed="rId2"/>
+          <a:srcRect l="21505" t="53420"/>
+          <a:stretch/>
+        </p:blipFill>
+        <p:spPr>
+          <a:xfrm>
+            <a:off x="4580369" y="3975626"/>
+            <a:ext cx="7357107" cy="1969919"/>
+          </a:xfrm>
+          <a:prstGeom prst="rect">
+            <a:avLst/>
+          </a:prstGeom>
+        </p:spPr>
+      </p:pic>
+      <p:sp>
+        <p:nvSpPr>
+          <p:cNvPr id="3" name="文本占位符 2">
+            <a:extLst>
+              <a:ext uri="{FF2B5EF4-FFF2-40B4-BE49-F238E27FC236}">
+                <a16:creationId xmlns:a16="http://schemas.microsoft.com/office/drawing/2014/main" id="{D318B232-5565-4078-9CF9-F39BA00616F6}"/>
+              </a:ext>
+            </a:extLst>
+          </p:cNvPr>
+          <p:cNvSpPr>
+            <a:spLocks noGrp="1"/>
+          </p:cNvSpPr>
+          <p:nvPr>
+            <p:ph type="body" idx="1"/>
+          </p:nvPr>
+        </p:nvSpPr>
+        <p:spPr>
+          <a:xfrm>
+            <a:off x="584713" y="779822"/>
+            <a:ext cx="3832521" cy="5627519"/>
+          </a:xfrm>
+        </p:spPr>
+        <p:txBody>
+          <a:bodyPr/>
+          <a:lstStyle/>
+          <a:p>
+            <a:r>
+              <a:rPr lang="zh-CN" altLang="en-US" dirty="0"/>
+              <a:t>输入第一句</a:t>
+            </a:r>
+            <a:endParaRPr lang="en-US" altLang="zh-CN" dirty="0"/>
+          </a:p>
+          <a:p>
+            <a:r>
+              <a:rPr lang="en-US" altLang="zh-CN" dirty="0"/>
+              <a:t>Planner</a:t>
+            </a:r>
+            <a:r>
+              <a:rPr lang="zh-CN" altLang="en-US" dirty="0"/>
+              <a:t>：</a:t>
+            </a:r>
+            <a:endParaRPr lang="en-US" altLang="zh-CN" dirty="0"/>
+          </a:p>
+          <a:p>
+            <a:pPr lvl="1"/>
+            <a:r>
+              <a:rPr lang="zh-CN" altLang="en-US" dirty="0"/>
+              <a:t>推断出二三四句关键词</a:t>
+            </a:r>
+            <a:endParaRPr lang="en-US" altLang="zh-CN" dirty="0"/>
+          </a:p>
+          <a:p>
+            <a:r>
+              <a:rPr lang="en-US" altLang="zh-CN" dirty="0"/>
               <a:t>Generator</a:t>
             </a:r>
-            <a:br>
-              <a:rPr lang="en-US" altLang="zh-CN" dirty="0"/>
-            </a:br>
-            <a:endParaRPr lang="en-US" dirty="0"/>
+            <a:r>
+              <a:rPr lang="zh-CN" altLang="en-US" dirty="0"/>
+              <a:t>：</a:t>
+            </a:r>
+            <a:endParaRPr lang="en-US" altLang="zh-CN" dirty="0"/>
+          </a:p>
+          <a:p>
+            <a:pPr lvl="1"/>
+            <a:r>
+              <a:rPr lang="zh-CN" altLang="en-US" dirty="0"/>
+              <a:t>根据已生成诗句和关键词，逐句推断，生成全诗</a:t>
+            </a:r>
+            <a:endParaRPr lang="en-US" altLang="zh-CN" dirty="0"/>
           </a:p>
         </p:txBody>
       </p:sp>
@@ -2432,7 +5273,7 @@
           <p:cNvPr id="4" name="灯片编号占位符 3">
             <a:extLst>
               <a:ext uri="{FF2B5EF4-FFF2-40B4-BE49-F238E27FC236}">
-                <a16:creationId xmlns:a16="http://schemas.microsoft.com/office/drawing/2014/main" id="{85D59BA4-592A-45C4-BB9D-BE895DD128C9}"/>
+                <a16:creationId xmlns:a16="http://schemas.microsoft.com/office/drawing/2014/main" id="{8DD46CCC-3AA6-49EF-BDB1-16C0AC2A3C9F}"/>
               </a:ext>
             </a:extLst>
           </p:cNvPr>
@@ -2457,10 +5298,89 @@
           </a:p>
         </p:txBody>
       </p:sp>
+      <p:graphicFrame>
+        <p:nvGraphicFramePr>
+          <p:cNvPr id="6" name="图示 5">
+            <a:extLst>
+              <a:ext uri="{FF2B5EF4-FFF2-40B4-BE49-F238E27FC236}">
+                <a16:creationId xmlns:a16="http://schemas.microsoft.com/office/drawing/2014/main" id="{8C391831-1F09-4C12-A6ED-EA44754DE34D}"/>
+              </a:ext>
+            </a:extLst>
+          </p:cNvPr>
+          <p:cNvGraphicFramePr/>
+          <p:nvPr>
+            <p:extLst>
+              <p:ext uri="{D42A27DB-BD31-4B8C-83A1-F6EECF244321}">
+                <p14:modId xmlns:p14="http://schemas.microsoft.com/office/powerpoint/2010/main" val="87875778"/>
+              </p:ext>
+            </p:extLst>
+          </p:nvPr>
+        </p:nvGraphicFramePr>
+        <p:xfrm>
+          <a:off x="4299419" y="2084550"/>
+          <a:ext cx="8128000" cy="1611807"/>
+        </p:xfrm>
+        <a:graphic>
+          <a:graphicData uri="http://schemas.openxmlformats.org/drawingml/2006/diagram">
+            <dgm:relIds xmlns:dgm="http://schemas.openxmlformats.org/drawingml/2006/diagram" xmlns:r="http://schemas.openxmlformats.org/officeDocument/2006/relationships" r:dm="rId3" r:lo="rId4" r:qs="rId5" r:cs="rId6"/>
+          </a:graphicData>
+        </a:graphic>
+      </p:graphicFrame>
+      <p:sp>
+        <p:nvSpPr>
+          <p:cNvPr id="7" name="箭头: 下 6">
+            <a:extLst>
+              <a:ext uri="{FF2B5EF4-FFF2-40B4-BE49-F238E27FC236}">
+                <a16:creationId xmlns:a16="http://schemas.microsoft.com/office/drawing/2014/main" id="{C1850025-4588-41E4-8ECE-34AA633A019D}"/>
+              </a:ext>
+            </a:extLst>
+          </p:cNvPr>
+          <p:cNvSpPr/>
+          <p:nvPr/>
+        </p:nvSpPr>
+        <p:spPr>
+          <a:xfrm>
+            <a:off x="10360058" y="3417088"/>
+            <a:ext cx="612742" cy="558538"/>
+          </a:xfrm>
+          <a:prstGeom prst="downArrow">
+            <a:avLst/>
+          </a:prstGeom>
+          <a:solidFill>
+            <a:schemeClr val="tx2">
+              <a:lumMod val="90000"/>
+            </a:schemeClr>
+          </a:solidFill>
+        </p:spPr>
+        <p:style>
+          <a:lnRef idx="2">
+            <a:schemeClr val="accent1">
+              <a:shade val="50000"/>
+            </a:schemeClr>
+          </a:lnRef>
+          <a:fillRef idx="1">
+            <a:schemeClr val="accent1"/>
+          </a:fillRef>
+          <a:effectRef idx="0">
+            <a:schemeClr val="accent1"/>
+          </a:effectRef>
+          <a:fontRef idx="minor">
+            <a:schemeClr val="lt1"/>
+          </a:fontRef>
+        </p:style>
+        <p:txBody>
+          <a:bodyPr rtlCol="0" anchor="ctr"/>
+          <a:lstStyle/>
+          <a:p>
+            <a:pPr algn="ctr"/>
+            <a:endParaRPr lang="en-US" dirty="0"/>
+          </a:p>
+        </p:txBody>
+      </p:sp>
     </p:spTree>
     <p:extLst>
       <p:ext uri="{BB962C8B-B14F-4D97-AF65-F5344CB8AC3E}">
-        <p14:creationId xmlns:p14="http://schemas.microsoft.com/office/powerpoint/2010/main" val="1769954444"/>
+        <p14:creationId xmlns:p14="http://schemas.microsoft.com/office/powerpoint/2010/main" val="261179210"/>
       </p:ext>
     </p:extLst>
   </p:cSld>
@@ -2474,6 +5394,258 @@
 </file>
 
 <file path=ppt/slides/slide10.xml><?xml version="1.0" encoding="utf-8"?>
+<p:sld xmlns:a="http://schemas.openxmlformats.org/drawingml/2006/main" xmlns:r="http://schemas.openxmlformats.org/officeDocument/2006/relationships" xmlns:p="http://schemas.openxmlformats.org/presentationml/2006/main">
+  <p:cSld>
+    <p:spTree>
+      <p:nvGrpSpPr>
+        <p:cNvPr id="1" name=""/>
+        <p:cNvGrpSpPr/>
+        <p:nvPr/>
+      </p:nvGrpSpPr>
+      <p:grpSpPr>
+        <a:xfrm>
+          <a:off x="0" y="0"/>
+          <a:ext cx="0" cy="0"/>
+          <a:chOff x="0" y="0"/>
+          <a:chExt cx="0" cy="0"/>
+        </a:xfrm>
+      </p:grpSpPr>
+      <p:sp>
+        <p:nvSpPr>
+          <p:cNvPr id="2" name="标题 1">
+            <a:extLst>
+              <a:ext uri="{FF2B5EF4-FFF2-40B4-BE49-F238E27FC236}">
+                <a16:creationId xmlns:a16="http://schemas.microsoft.com/office/drawing/2014/main" id="{C242A985-1DBD-48C7-84EF-A8EB788AF1C7}"/>
+              </a:ext>
+            </a:extLst>
+          </p:cNvPr>
+          <p:cNvSpPr>
+            <a:spLocks noGrp="1"/>
+          </p:cNvSpPr>
+          <p:nvPr>
+            <p:ph type="title"/>
+          </p:nvPr>
+        </p:nvSpPr>
+        <p:spPr/>
+        <p:txBody>
+          <a:bodyPr/>
+          <a:lstStyle/>
+          <a:p>
+            <a:pPr algn="l"/>
+            <a:r>
+              <a:rPr lang="zh-CN" altLang="en-US" dirty="0"/>
+              <a:t>模型评价</a:t>
+            </a:r>
+            <a:endParaRPr lang="en-US" dirty="0"/>
+          </a:p>
+        </p:txBody>
+      </p:sp>
+      <p:sp>
+        <p:nvSpPr>
+          <p:cNvPr id="3" name="文本占位符 2">
+            <a:extLst>
+              <a:ext uri="{FF2B5EF4-FFF2-40B4-BE49-F238E27FC236}">
+                <a16:creationId xmlns:a16="http://schemas.microsoft.com/office/drawing/2014/main" id="{6056D707-78A2-4211-975B-E88F6AF8817D}"/>
+              </a:ext>
+            </a:extLst>
+          </p:cNvPr>
+          <p:cNvSpPr>
+            <a:spLocks noGrp="1"/>
+          </p:cNvSpPr>
+          <p:nvPr>
+            <p:ph type="body" idx="1"/>
+          </p:nvPr>
+        </p:nvSpPr>
+        <p:spPr>
+          <a:xfrm>
+            <a:off x="1668800" y="1467875"/>
+            <a:ext cx="8854400" cy="4090000"/>
+          </a:xfrm>
+        </p:spPr>
+        <p:txBody>
+          <a:bodyPr/>
+          <a:lstStyle/>
+          <a:p>
+            <a:pPr marL="135464" indent="0">
+              <a:buNone/>
+            </a:pPr>
+            <a:r>
+              <a:rPr lang="en-US" altLang="zh-CN" dirty="0"/>
+              <a:t>Pros</a:t>
+            </a:r>
+            <a:r>
+              <a:rPr lang="zh-CN" altLang="en-US" dirty="0"/>
+              <a:t>：</a:t>
+            </a:r>
+            <a:endParaRPr lang="en-US" altLang="zh-CN" dirty="0"/>
+          </a:p>
+          <a:p>
+            <a:r>
+              <a:rPr lang="zh-CN" altLang="en-US" dirty="0"/>
+              <a:t>生成的三句间语义具有连贯性，符合押韵特征</a:t>
+            </a:r>
+            <a:endParaRPr lang="en-US" altLang="zh-CN" dirty="0"/>
+          </a:p>
+          <a:p>
+            <a:r>
+              <a:rPr lang="zh-CN" altLang="en-US" dirty="0"/>
+              <a:t>训练到</a:t>
+            </a:r>
+            <a:r>
+              <a:rPr lang="en-US" altLang="zh-CN" dirty="0"/>
+              <a:t>100</a:t>
+            </a:r>
+            <a:r>
+              <a:rPr lang="zh-CN" altLang="en-US" dirty="0"/>
+              <a:t>折后，模型能够捕捉到语义信息</a:t>
+            </a:r>
+            <a:endParaRPr lang="en-US" altLang="zh-CN" dirty="0"/>
+          </a:p>
+          <a:p>
+            <a:pPr marL="135464" indent="0">
+              <a:buNone/>
+            </a:pPr>
+            <a:r>
+              <a:rPr lang="en-US" altLang="zh-CN" dirty="0"/>
+              <a:t>Cons</a:t>
+            </a:r>
+            <a:r>
+              <a:rPr lang="zh-CN" altLang="en-US" dirty="0"/>
+              <a:t>：</a:t>
+            </a:r>
+            <a:endParaRPr lang="en-US" altLang="zh-CN" dirty="0"/>
+          </a:p>
+          <a:p>
+            <a:r>
+              <a:rPr lang="zh-CN" altLang="en-US" dirty="0"/>
+              <a:t>所生成诗句基调悲凉</a:t>
+            </a:r>
+            <a:endParaRPr lang="en-US" altLang="zh-CN" dirty="0"/>
+          </a:p>
+          <a:p>
+            <a:pPr lvl="1"/>
+            <a:r>
+              <a:rPr lang="zh-CN" altLang="en-US" dirty="0"/>
+              <a:t>原因推断：训练集特征</a:t>
+            </a:r>
+            <a:endParaRPr lang="en-US" altLang="zh-CN" dirty="0"/>
+          </a:p>
+          <a:p>
+            <a:r>
+              <a:rPr lang="zh-CN" altLang="en-US" dirty="0"/>
+              <a:t>关键词作用式微</a:t>
+            </a:r>
+            <a:endParaRPr lang="en-US" altLang="zh-CN" dirty="0"/>
+          </a:p>
+          <a:p>
+            <a:pPr lvl="1"/>
+            <a:r>
+              <a:rPr lang="zh-CN" altLang="en-US" dirty="0"/>
+              <a:t>原因推断：</a:t>
+            </a:r>
+            <a:endParaRPr lang="en-US" altLang="zh-CN" dirty="0"/>
+          </a:p>
+          <a:p>
+            <a:pPr lvl="2"/>
+            <a:r>
+              <a:rPr lang="en-US" altLang="zh-CN" dirty="0"/>
+              <a:t>Attention</a:t>
+            </a:r>
+            <a:r>
+              <a:rPr lang="zh-CN" altLang="en-US" dirty="0"/>
+              <a:t>机制下对初始状态对首字生成并无很大作用；</a:t>
+            </a:r>
+            <a:endParaRPr lang="en-US" altLang="zh-CN" dirty="0"/>
+          </a:p>
+          <a:p>
+            <a:pPr lvl="2"/>
+            <a:r>
+              <a:rPr lang="zh-CN" altLang="en-US" dirty="0"/>
+              <a:t>关键字</a:t>
+            </a:r>
+            <a:r>
+              <a:rPr lang="en-US" altLang="zh-CN" dirty="0" err="1"/>
+              <a:t>GRUCell</a:t>
+            </a:r>
+            <a:r>
+              <a:rPr lang="zh-CN" altLang="en-US" dirty="0"/>
+              <a:t>输出与正常</a:t>
+            </a:r>
+            <a:r>
+              <a:rPr lang="en-US" altLang="zh-CN" dirty="0"/>
+              <a:t>input</a:t>
+            </a:r>
+            <a:r>
+              <a:rPr lang="zh-CN" altLang="en-US" dirty="0"/>
+              <a:t>存在数量级差异</a:t>
+            </a:r>
+            <a:endParaRPr lang="en-US" altLang="zh-CN" dirty="0"/>
+          </a:p>
+          <a:p>
+            <a:pPr lvl="2"/>
+            <a:r>
+              <a:rPr lang="zh-CN" altLang="en-US" dirty="0"/>
+              <a:t>关键字重复现象少，对</a:t>
+            </a:r>
+            <a:r>
+              <a:rPr lang="en-US" altLang="zh-CN" dirty="0" err="1"/>
+              <a:t>GRUCell</a:t>
+            </a:r>
+            <a:r>
+              <a:rPr lang="zh-CN" altLang="en-US" dirty="0"/>
+              <a:t>的训练强度低</a:t>
+            </a:r>
+            <a:endParaRPr lang="en-US" dirty="0"/>
+          </a:p>
+        </p:txBody>
+      </p:sp>
+      <p:sp>
+        <p:nvSpPr>
+          <p:cNvPr id="4" name="灯片编号占位符 3">
+            <a:extLst>
+              <a:ext uri="{FF2B5EF4-FFF2-40B4-BE49-F238E27FC236}">
+                <a16:creationId xmlns:a16="http://schemas.microsoft.com/office/drawing/2014/main" id="{2659FCD6-0870-4520-9868-37A3E3E35654}"/>
+              </a:ext>
+            </a:extLst>
+          </p:cNvPr>
+          <p:cNvSpPr>
+            <a:spLocks noGrp="1"/>
+          </p:cNvSpPr>
+          <p:nvPr>
+            <p:ph type="sldNum" idx="12"/>
+          </p:nvPr>
+        </p:nvSpPr>
+        <p:spPr/>
+        <p:txBody>
+          <a:bodyPr/>
+          <a:lstStyle/>
+          <a:p>
+            <a:fld id="{00000000-1234-1234-1234-123412341234}" type="slidenum">
+              <a:rPr lang="en-GB" smtClean="0"/>
+              <a:pPr/>
+              <a:t>10</a:t>
+            </a:fld>
+            <a:endParaRPr lang="en-GB"/>
+          </a:p>
+        </p:txBody>
+      </p:sp>
+    </p:spTree>
+    <p:extLst>
+      <p:ext uri="{BB962C8B-B14F-4D97-AF65-F5344CB8AC3E}">
+        <p14:creationId xmlns:p14="http://schemas.microsoft.com/office/powerpoint/2010/main" val="704716312"/>
+      </p:ext>
+    </p:extLst>
+  </p:cSld>
+  <p:clrMapOvr>
+    <a:masterClrMapping/>
+  </p:clrMapOvr>
+  <p:transition>
+    <p:fade thruBlk="1"/>
+  </p:transition>
+</p:sld>
+</file>
+
+<file path=ppt/slides/slide11.xml><?xml version="1.0" encoding="utf-8"?>
 <p:sld xmlns:a="http://schemas.openxmlformats.org/drawingml/2006/main" xmlns:r="http://schemas.openxmlformats.org/officeDocument/2006/relationships" xmlns:p="http://schemas.openxmlformats.org/presentationml/2006/main">
   <p:cSld>
     <p:spTree>
@@ -2616,7 +5788,7 @@
             <a:fld id="{00000000-1234-1234-1234-123412341234}" type="slidenum">
               <a:rPr lang="en-GB" smtClean="0"/>
               <a:pPr/>
-              <a:t>10</a:t>
+              <a:t>11</a:t>
             </a:fld>
             <a:endParaRPr lang="en-GB"/>
           </a:p>
@@ -2660,6 +5832,106 @@
           <p:cNvPr id="2" name="标题 1">
             <a:extLst>
               <a:ext uri="{FF2B5EF4-FFF2-40B4-BE49-F238E27FC236}">
+                <a16:creationId xmlns:a16="http://schemas.microsoft.com/office/drawing/2014/main" id="{D07F86A8-E7F3-4EDD-A233-9C2F77B6AF48}"/>
+              </a:ext>
+            </a:extLst>
+          </p:cNvPr>
+          <p:cNvSpPr>
+            <a:spLocks noGrp="1"/>
+          </p:cNvSpPr>
+          <p:nvPr>
+            <p:ph type="title"/>
+          </p:nvPr>
+        </p:nvSpPr>
+        <p:spPr>
+          <a:xfrm>
+            <a:off x="518600" y="3043446"/>
+            <a:ext cx="11154800" cy="1016800"/>
+          </a:xfrm>
+        </p:spPr>
+        <p:txBody>
+          <a:bodyPr/>
+          <a:lstStyle/>
+          <a:p>
+            <a:r>
+              <a:rPr lang="en-US" altLang="zh-CN" sz="2800" dirty="0"/>
+              <a:t>Generator</a:t>
+            </a:r>
+            <a:br>
+              <a:rPr lang="en-US" altLang="zh-CN" dirty="0"/>
+            </a:br>
+            <a:endParaRPr lang="en-US" dirty="0"/>
+          </a:p>
+        </p:txBody>
+      </p:sp>
+      <p:sp>
+        <p:nvSpPr>
+          <p:cNvPr id="4" name="灯片编号占位符 3">
+            <a:extLst>
+              <a:ext uri="{FF2B5EF4-FFF2-40B4-BE49-F238E27FC236}">
+                <a16:creationId xmlns:a16="http://schemas.microsoft.com/office/drawing/2014/main" id="{85D59BA4-592A-45C4-BB9D-BE895DD128C9}"/>
+              </a:ext>
+            </a:extLst>
+          </p:cNvPr>
+          <p:cNvSpPr>
+            <a:spLocks noGrp="1"/>
+          </p:cNvSpPr>
+          <p:nvPr>
+            <p:ph type="sldNum" idx="12"/>
+          </p:nvPr>
+        </p:nvSpPr>
+        <p:spPr/>
+        <p:txBody>
+          <a:bodyPr/>
+          <a:lstStyle/>
+          <a:p>
+            <a:fld id="{00000000-1234-1234-1234-123412341234}" type="slidenum">
+              <a:rPr lang="en-GB" smtClean="0"/>
+              <a:pPr/>
+              <a:t>2</a:t>
+            </a:fld>
+            <a:endParaRPr lang="en-GB"/>
+          </a:p>
+        </p:txBody>
+      </p:sp>
+    </p:spTree>
+    <p:extLst>
+      <p:ext uri="{BB962C8B-B14F-4D97-AF65-F5344CB8AC3E}">
+        <p14:creationId xmlns:p14="http://schemas.microsoft.com/office/powerpoint/2010/main" val="1769954444"/>
+      </p:ext>
+    </p:extLst>
+  </p:cSld>
+  <p:clrMapOvr>
+    <a:masterClrMapping/>
+  </p:clrMapOvr>
+  <p:transition>
+    <p:fade thruBlk="1"/>
+  </p:transition>
+</p:sld>
+</file>
+
+<file path=ppt/slides/slide3.xml><?xml version="1.0" encoding="utf-8"?>
+<p:sld xmlns:a="http://schemas.openxmlformats.org/drawingml/2006/main" xmlns:r="http://schemas.openxmlformats.org/officeDocument/2006/relationships" xmlns:p="http://schemas.openxmlformats.org/presentationml/2006/main">
+  <p:cSld>
+    <p:spTree>
+      <p:nvGrpSpPr>
+        <p:cNvPr id="1" name=""/>
+        <p:cNvGrpSpPr/>
+        <p:nvPr/>
+      </p:nvGrpSpPr>
+      <p:grpSpPr>
+        <a:xfrm>
+          <a:off x="0" y="0"/>
+          <a:ext cx="0" cy="0"/>
+          <a:chOff x="0" y="0"/>
+          <a:chExt cx="0" cy="0"/>
+        </a:xfrm>
+      </p:grpSpPr>
+      <p:sp>
+        <p:nvSpPr>
+          <p:cNvPr id="2" name="标题 1">
+            <a:extLst>
+              <a:ext uri="{FF2B5EF4-FFF2-40B4-BE49-F238E27FC236}">
                 <a16:creationId xmlns:a16="http://schemas.microsoft.com/office/drawing/2014/main" id="{EF0E86B2-4D57-45E3-BBAF-A51CBE7EF9CE}"/>
               </a:ext>
             </a:extLst>
@@ -2852,7 +6124,7 @@
             <a:fld id="{00000000-1234-1234-1234-123412341234}" type="slidenum">
               <a:rPr lang="en-GB" smtClean="0"/>
               <a:pPr/>
-              <a:t>2</a:t>
+              <a:t>3</a:t>
             </a:fld>
             <a:endParaRPr lang="en-GB"/>
           </a:p>
@@ -2874,7 +6146,7 @@
 </p:sld>
 </file>
 
-<file path=ppt/slides/slide3.xml><?xml version="1.0" encoding="utf-8"?>
+<file path=ppt/slides/slide4.xml><?xml version="1.0" encoding="utf-8"?>
 <p:sld xmlns:a="http://schemas.openxmlformats.org/drawingml/2006/main" xmlns:r="http://schemas.openxmlformats.org/officeDocument/2006/relationships" xmlns:p="http://schemas.openxmlformats.org/presentationml/2006/main">
   <p:cSld>
     <p:spTree>
@@ -2949,7 +6221,7 @@
             <a:fld id="{00000000-1234-1234-1234-123412341234}" type="slidenum">
               <a:rPr lang="en-GB" smtClean="0"/>
               <a:pPr/>
-              <a:t>3</a:t>
+              <a:t>4</a:t>
             </a:fld>
             <a:endParaRPr lang="en-GB"/>
           </a:p>
@@ -3404,7 +6676,7 @@
 </p:sld>
 </file>
 
-<file path=ppt/slides/slide4.xml><?xml version="1.0" encoding="utf-8"?>
+<file path=ppt/slides/slide5.xml><?xml version="1.0" encoding="utf-8"?>
 <p:sld xmlns:a="http://schemas.openxmlformats.org/drawingml/2006/main" xmlns:r="http://schemas.openxmlformats.org/officeDocument/2006/relationships" xmlns:p="http://schemas.openxmlformats.org/presentationml/2006/main">
   <p:cSld>
     <p:spTree>
@@ -3479,7 +6751,7 @@
             <a:fld id="{00000000-1234-1234-1234-123412341234}" type="slidenum">
               <a:rPr lang="en-GB" smtClean="0"/>
               <a:pPr/>
-              <a:t>4</a:t>
+              <a:t>5</a:t>
             </a:fld>
             <a:endParaRPr lang="en-GB"/>
           </a:p>
@@ -3982,7 +7254,7 @@
 </p:sld>
 </file>
 
-<file path=ppt/slides/slide5.xml><?xml version="1.0" encoding="utf-8"?>
+<file path=ppt/slides/slide6.xml><?xml version="1.0" encoding="utf-8"?>
 <p:sld xmlns:a="http://schemas.openxmlformats.org/drawingml/2006/main" xmlns:r="http://schemas.openxmlformats.org/officeDocument/2006/relationships" xmlns:p="http://schemas.openxmlformats.org/presentationml/2006/main">
   <p:cSld>
     <p:spTree>
@@ -4078,7 +7350,7 @@
             <a:fld id="{00000000-1234-1234-1234-123412341234}" type="slidenum">
               <a:rPr lang="en-GB" smtClean="0"/>
               <a:pPr/>
-              <a:t>5</a:t>
+              <a:t>6</a:t>
             </a:fld>
             <a:endParaRPr lang="en-GB"/>
           </a:p>
@@ -4100,7 +7372,7 @@
 </p:sld>
 </file>
 
-<file path=ppt/slides/slide6.xml><?xml version="1.0" encoding="utf-8"?>
+<file path=ppt/slides/slide7.xml><?xml version="1.0" encoding="utf-8"?>
 <p:sld xmlns:a="http://schemas.openxmlformats.org/drawingml/2006/main" xmlns:r="http://schemas.openxmlformats.org/officeDocument/2006/relationships" xmlns:p="http://schemas.openxmlformats.org/presentationml/2006/main">
   <p:cSld>
     <p:spTree>
@@ -4294,7 +7566,7 @@
             <a:fld id="{00000000-1234-1234-1234-123412341234}" type="slidenum">
               <a:rPr lang="en-GB" smtClean="0"/>
               <a:pPr/>
-              <a:t>6</a:t>
+              <a:t>7</a:t>
             </a:fld>
             <a:endParaRPr lang="en-GB"/>
           </a:p>
@@ -4592,7 +7864,7 @@
             </a:r>
             <a:r>
               <a:rPr lang="en-US" altLang="zh-CN" kern="0" dirty="0" err="1"/>
-              <a:t>Adamoptimizer</a:t>
+              <a:t>AdamOptimizer</a:t>
             </a:r>
             <a:endParaRPr lang="en-US" kern="0" dirty="0"/>
           </a:p>
@@ -4614,7 +7886,7 @@
 </p:sld>
 </file>
 
-<file path=ppt/slides/slide7.xml><?xml version="1.0" encoding="utf-8"?>
+<file path=ppt/slides/slide8.xml><?xml version="1.0" encoding="utf-8"?>
 <p:sld xmlns:a="http://schemas.openxmlformats.org/drawingml/2006/main" xmlns:r="http://schemas.openxmlformats.org/officeDocument/2006/relationships" xmlns:p="http://schemas.openxmlformats.org/presentationml/2006/main">
   <p:cSld>
     <p:spTree>
@@ -4718,7 +7990,7 @@
             <a:fld id="{00000000-1234-1234-1234-123412341234}" type="slidenum">
               <a:rPr lang="en-GB" smtClean="0"/>
               <a:pPr/>
-              <a:t>7</a:t>
+              <a:t>8</a:t>
             </a:fld>
             <a:endParaRPr lang="en-GB"/>
           </a:p>
@@ -4740,7 +8012,7 @@
 </p:sld>
 </file>
 
-<file path=ppt/slides/slide8.xml><?xml version="1.0" encoding="utf-8"?>
+<file path=ppt/slides/slide9.xml><?xml version="1.0" encoding="utf-8"?>
 <p:sld xmlns:a="http://schemas.openxmlformats.org/drawingml/2006/main" xmlns:r="http://schemas.openxmlformats.org/officeDocument/2006/relationships" xmlns:p="http://schemas.openxmlformats.org/presentationml/2006/main">
   <p:cSld>
     <p:spTree>
@@ -4845,7 +8117,7 @@
             <a:fld id="{00000000-1234-1234-1234-123412341234}" type="slidenum">
               <a:rPr lang="en-GB" smtClean="0"/>
               <a:pPr/>
-              <a:t>8</a:t>
+              <a:t>9</a:t>
             </a:fld>
             <a:endParaRPr lang="en-GB"/>
           </a:p>
@@ -4855,258 +8127,6 @@
     <p:extLst>
       <p:ext uri="{BB962C8B-B14F-4D97-AF65-F5344CB8AC3E}">
         <p14:creationId xmlns:p14="http://schemas.microsoft.com/office/powerpoint/2010/main" val="2297150271"/>
-      </p:ext>
-    </p:extLst>
-  </p:cSld>
-  <p:clrMapOvr>
-    <a:masterClrMapping/>
-  </p:clrMapOvr>
-  <p:transition>
-    <p:fade thruBlk="1"/>
-  </p:transition>
-</p:sld>
-</file>
-
-<file path=ppt/slides/slide9.xml><?xml version="1.0" encoding="utf-8"?>
-<p:sld xmlns:a="http://schemas.openxmlformats.org/drawingml/2006/main" xmlns:r="http://schemas.openxmlformats.org/officeDocument/2006/relationships" xmlns:p="http://schemas.openxmlformats.org/presentationml/2006/main">
-  <p:cSld>
-    <p:spTree>
-      <p:nvGrpSpPr>
-        <p:cNvPr id="1" name=""/>
-        <p:cNvGrpSpPr/>
-        <p:nvPr/>
-      </p:nvGrpSpPr>
-      <p:grpSpPr>
-        <a:xfrm>
-          <a:off x="0" y="0"/>
-          <a:ext cx="0" cy="0"/>
-          <a:chOff x="0" y="0"/>
-          <a:chExt cx="0" cy="0"/>
-        </a:xfrm>
-      </p:grpSpPr>
-      <p:sp>
-        <p:nvSpPr>
-          <p:cNvPr id="2" name="标题 1">
-            <a:extLst>
-              <a:ext uri="{FF2B5EF4-FFF2-40B4-BE49-F238E27FC236}">
-                <a16:creationId xmlns:a16="http://schemas.microsoft.com/office/drawing/2014/main" id="{C242A985-1DBD-48C7-84EF-A8EB788AF1C7}"/>
-              </a:ext>
-            </a:extLst>
-          </p:cNvPr>
-          <p:cNvSpPr>
-            <a:spLocks noGrp="1"/>
-          </p:cNvSpPr>
-          <p:nvPr>
-            <p:ph type="title"/>
-          </p:nvPr>
-        </p:nvSpPr>
-        <p:spPr/>
-        <p:txBody>
-          <a:bodyPr/>
-          <a:lstStyle/>
-          <a:p>
-            <a:pPr algn="l"/>
-            <a:r>
-              <a:rPr lang="zh-CN" altLang="en-US" dirty="0"/>
-              <a:t>模型评价</a:t>
-            </a:r>
-            <a:endParaRPr lang="en-US" dirty="0"/>
-          </a:p>
-        </p:txBody>
-      </p:sp>
-      <p:sp>
-        <p:nvSpPr>
-          <p:cNvPr id="3" name="文本占位符 2">
-            <a:extLst>
-              <a:ext uri="{FF2B5EF4-FFF2-40B4-BE49-F238E27FC236}">
-                <a16:creationId xmlns:a16="http://schemas.microsoft.com/office/drawing/2014/main" id="{6056D707-78A2-4211-975B-E88F6AF8817D}"/>
-              </a:ext>
-            </a:extLst>
-          </p:cNvPr>
-          <p:cNvSpPr>
-            <a:spLocks noGrp="1"/>
-          </p:cNvSpPr>
-          <p:nvPr>
-            <p:ph type="body" idx="1"/>
-          </p:nvPr>
-        </p:nvSpPr>
-        <p:spPr>
-          <a:xfrm>
-            <a:off x="1668800" y="1467875"/>
-            <a:ext cx="8854400" cy="4090000"/>
-          </a:xfrm>
-        </p:spPr>
-        <p:txBody>
-          <a:bodyPr/>
-          <a:lstStyle/>
-          <a:p>
-            <a:pPr marL="135464" indent="0">
-              <a:buNone/>
-            </a:pPr>
-            <a:r>
-              <a:rPr lang="en-US" altLang="zh-CN" dirty="0"/>
-              <a:t>Pros</a:t>
-            </a:r>
-            <a:r>
-              <a:rPr lang="zh-CN" altLang="en-US" dirty="0"/>
-              <a:t>：</a:t>
-            </a:r>
-            <a:endParaRPr lang="en-US" altLang="zh-CN" dirty="0"/>
-          </a:p>
-          <a:p>
-            <a:r>
-              <a:rPr lang="zh-CN" altLang="en-US" dirty="0"/>
-              <a:t>生成的三句间语义具有连贯性，符合押韵特征</a:t>
-            </a:r>
-            <a:endParaRPr lang="en-US" altLang="zh-CN" dirty="0"/>
-          </a:p>
-          <a:p>
-            <a:r>
-              <a:rPr lang="zh-CN" altLang="en-US" dirty="0"/>
-              <a:t>训练到</a:t>
-            </a:r>
-            <a:r>
-              <a:rPr lang="en-US" altLang="zh-CN" dirty="0"/>
-              <a:t>100</a:t>
-            </a:r>
-            <a:r>
-              <a:rPr lang="zh-CN" altLang="en-US" dirty="0"/>
-              <a:t>折后，模型能够捕捉到语义信息</a:t>
-            </a:r>
-            <a:endParaRPr lang="en-US" altLang="zh-CN" dirty="0"/>
-          </a:p>
-          <a:p>
-            <a:pPr marL="135464" indent="0">
-              <a:buNone/>
-            </a:pPr>
-            <a:r>
-              <a:rPr lang="en-US" altLang="zh-CN" dirty="0"/>
-              <a:t>Cons</a:t>
-            </a:r>
-            <a:r>
-              <a:rPr lang="zh-CN" altLang="en-US" dirty="0"/>
-              <a:t>：</a:t>
-            </a:r>
-            <a:endParaRPr lang="en-US" altLang="zh-CN" dirty="0"/>
-          </a:p>
-          <a:p>
-            <a:r>
-              <a:rPr lang="zh-CN" altLang="en-US" dirty="0"/>
-              <a:t>所生成诗句基调悲凉</a:t>
-            </a:r>
-            <a:endParaRPr lang="en-US" altLang="zh-CN" dirty="0"/>
-          </a:p>
-          <a:p>
-            <a:pPr lvl="1"/>
-            <a:r>
-              <a:rPr lang="zh-CN" altLang="en-US" dirty="0"/>
-              <a:t>原因推断：训练集特征</a:t>
-            </a:r>
-            <a:endParaRPr lang="en-US" altLang="zh-CN" dirty="0"/>
-          </a:p>
-          <a:p>
-            <a:r>
-              <a:rPr lang="zh-CN" altLang="en-US" dirty="0"/>
-              <a:t>关键词作用式微</a:t>
-            </a:r>
-            <a:endParaRPr lang="en-US" altLang="zh-CN" dirty="0"/>
-          </a:p>
-          <a:p>
-            <a:pPr lvl="1"/>
-            <a:r>
-              <a:rPr lang="zh-CN" altLang="en-US" dirty="0"/>
-              <a:t>原因推断：</a:t>
-            </a:r>
-            <a:endParaRPr lang="en-US" altLang="zh-CN" dirty="0"/>
-          </a:p>
-          <a:p>
-            <a:pPr lvl="2"/>
-            <a:r>
-              <a:rPr lang="en-US" altLang="zh-CN" dirty="0"/>
-              <a:t>Attention</a:t>
-            </a:r>
-            <a:r>
-              <a:rPr lang="zh-CN" altLang="en-US" dirty="0"/>
-              <a:t>机制下对初始状态对首字生成并无很大作用；</a:t>
-            </a:r>
-            <a:endParaRPr lang="en-US" altLang="zh-CN" dirty="0"/>
-          </a:p>
-          <a:p>
-            <a:pPr lvl="2"/>
-            <a:r>
-              <a:rPr lang="zh-CN" altLang="en-US" dirty="0"/>
-              <a:t>关键字</a:t>
-            </a:r>
-            <a:r>
-              <a:rPr lang="en-US" altLang="zh-CN" dirty="0" err="1"/>
-              <a:t>GRUCell</a:t>
-            </a:r>
-            <a:r>
-              <a:rPr lang="zh-CN" altLang="en-US" dirty="0"/>
-              <a:t>输出与正常</a:t>
-            </a:r>
-            <a:r>
-              <a:rPr lang="en-US" altLang="zh-CN" dirty="0"/>
-              <a:t>input</a:t>
-            </a:r>
-            <a:r>
-              <a:rPr lang="zh-CN" altLang="en-US" dirty="0"/>
-              <a:t>存在数量级差异</a:t>
-            </a:r>
-            <a:endParaRPr lang="en-US" altLang="zh-CN" dirty="0"/>
-          </a:p>
-          <a:p>
-            <a:pPr lvl="2"/>
-            <a:r>
-              <a:rPr lang="zh-CN" altLang="en-US" dirty="0"/>
-              <a:t>关键字重复现象少，对</a:t>
-            </a:r>
-            <a:r>
-              <a:rPr lang="en-US" altLang="zh-CN" dirty="0" err="1"/>
-              <a:t>GRUCell</a:t>
-            </a:r>
-            <a:r>
-              <a:rPr lang="zh-CN" altLang="en-US" dirty="0"/>
-              <a:t>的训练强度低</a:t>
-            </a:r>
-            <a:endParaRPr lang="en-US" dirty="0"/>
-          </a:p>
-        </p:txBody>
-      </p:sp>
-      <p:sp>
-        <p:nvSpPr>
-          <p:cNvPr id="4" name="灯片编号占位符 3">
-            <a:extLst>
-              <a:ext uri="{FF2B5EF4-FFF2-40B4-BE49-F238E27FC236}">
-                <a16:creationId xmlns:a16="http://schemas.microsoft.com/office/drawing/2014/main" id="{2659FCD6-0870-4520-9868-37A3E3E35654}"/>
-              </a:ext>
-            </a:extLst>
-          </p:cNvPr>
-          <p:cNvSpPr>
-            <a:spLocks noGrp="1"/>
-          </p:cNvSpPr>
-          <p:nvPr>
-            <p:ph type="sldNum" idx="12"/>
-          </p:nvPr>
-        </p:nvSpPr>
-        <p:spPr/>
-        <p:txBody>
-          <a:bodyPr/>
-          <a:lstStyle/>
-          <a:p>
-            <a:fld id="{00000000-1234-1234-1234-123412341234}" type="slidenum">
-              <a:rPr lang="en-GB" smtClean="0"/>
-              <a:pPr/>
-              <a:t>9</a:t>
-            </a:fld>
-            <a:endParaRPr lang="en-GB"/>
-          </a:p>
-        </p:txBody>
-      </p:sp>
-    </p:spTree>
-    <p:extLst>
-      <p:ext uri="{BB962C8B-B14F-4D97-AF65-F5344CB8AC3E}">
-        <p14:creationId xmlns:p14="http://schemas.microsoft.com/office/powerpoint/2010/main" val="704716312"/>
       </p:ext>
     </p:extLst>
   </p:cSld>
